--- a/ADIDAS SALES ANALYSIS PROJECTS.pptx
+++ b/ADIDAS SALES ANALYSIS PROJECTS.pptx
@@ -7,14 +7,13 @@
   <p:sldIdLst>
     <p:sldId id="256" r:id="rId2"/>
     <p:sldId id="265" r:id="rId3"/>
-    <p:sldId id="257" r:id="rId4"/>
+    <p:sldId id="266" r:id="rId4"/>
     <p:sldId id="258" r:id="rId5"/>
     <p:sldId id="259" r:id="rId6"/>
     <p:sldId id="260" r:id="rId7"/>
     <p:sldId id="261" r:id="rId8"/>
-    <p:sldId id="262" r:id="rId9"/>
-    <p:sldId id="263" r:id="rId10"/>
-    <p:sldId id="264" r:id="rId11"/>
+    <p:sldId id="267" r:id="rId9"/>
+    <p:sldId id="264" r:id="rId10"/>
   </p:sldIdLst>
   <p:sldSz cx="12192000" cy="6858000"/>
   <p:notesSz cx="6858000" cy="9144000"/>
@@ -395,7 +394,7 @@
           <a:p>
             <a:fld id="{2F210F26-B19F-4373-84D9-CF8AF3C45A6A}" type="datetimeFigureOut">
               <a:rPr lang="en-GB" smtClean="0"/>
-              <a:t>09/09/2024</a:t>
+              <a:t>17/10/2024</a:t>
             </a:fld>
             <a:endParaRPr lang="en-GB"/>
           </a:p>
@@ -809,7 +808,7 @@
           <a:p>
             <a:fld id="{2F210F26-B19F-4373-84D9-CF8AF3C45A6A}" type="datetimeFigureOut">
               <a:rPr lang="en-GB" smtClean="0"/>
-              <a:t>09/09/2024</a:t>
+              <a:t>17/10/2024</a:t>
             </a:fld>
             <a:endParaRPr lang="en-GB"/>
           </a:p>
@@ -1145,7 +1144,7 @@
           <a:p>
             <a:fld id="{2F210F26-B19F-4373-84D9-CF8AF3C45A6A}" type="datetimeFigureOut">
               <a:rPr lang="en-GB" smtClean="0"/>
-              <a:t>09/09/2024</a:t>
+              <a:t>17/10/2024</a:t>
             </a:fld>
             <a:endParaRPr lang="en-GB"/>
           </a:p>
@@ -1550,7 +1549,7 @@
           <a:p>
             <a:fld id="{2F210F26-B19F-4373-84D9-CF8AF3C45A6A}" type="datetimeFigureOut">
               <a:rPr lang="en-GB" smtClean="0"/>
-              <a:t>09/09/2024</a:t>
+              <a:t>17/10/2024</a:t>
             </a:fld>
             <a:endParaRPr lang="en-GB"/>
           </a:p>
@@ -2118,7 +2117,7 @@
           <a:p>
             <a:fld id="{2F210F26-B19F-4373-84D9-CF8AF3C45A6A}" type="datetimeFigureOut">
               <a:rPr lang="en-GB" smtClean="0"/>
-              <a:t>09/09/2024</a:t>
+              <a:t>17/10/2024</a:t>
             </a:fld>
             <a:endParaRPr lang="en-GB"/>
           </a:p>
@@ -2799,7 +2798,7 @@
           <a:p>
             <a:fld id="{2F210F26-B19F-4373-84D9-CF8AF3C45A6A}" type="datetimeFigureOut">
               <a:rPr lang="en-GB" smtClean="0"/>
-              <a:t>09/09/2024</a:t>
+              <a:t>17/10/2024</a:t>
             </a:fld>
             <a:endParaRPr lang="en-GB"/>
           </a:p>
@@ -3712,7 +3711,7 @@
           <a:p>
             <a:fld id="{2F210F26-B19F-4373-84D9-CF8AF3C45A6A}" type="datetimeFigureOut">
               <a:rPr lang="en-GB" smtClean="0"/>
-              <a:t>09/09/2024</a:t>
+              <a:t>17/10/2024</a:t>
             </a:fld>
             <a:endParaRPr lang="en-GB"/>
           </a:p>
@@ -4025,7 +4024,7 @@
           <a:p>
             <a:fld id="{2F210F26-B19F-4373-84D9-CF8AF3C45A6A}" type="datetimeFigureOut">
               <a:rPr lang="en-GB" smtClean="0"/>
-              <a:t>09/09/2024</a:t>
+              <a:t>17/10/2024</a:t>
             </a:fld>
             <a:endParaRPr lang="en-GB"/>
           </a:p>
@@ -4289,7 +4288,7 @@
           <a:p>
             <a:fld id="{2F210F26-B19F-4373-84D9-CF8AF3C45A6A}" type="datetimeFigureOut">
               <a:rPr lang="en-GB" smtClean="0"/>
-              <a:t>09/09/2024</a:t>
+              <a:t>17/10/2024</a:t>
             </a:fld>
             <a:endParaRPr lang="en-GB"/>
           </a:p>
@@ -4612,7 +4611,7 @@
           <a:p>
             <a:fld id="{2F210F26-B19F-4373-84D9-CF8AF3C45A6A}" type="datetimeFigureOut">
               <a:rPr lang="en-GB" smtClean="0"/>
-              <a:t>09/09/2024</a:t>
+              <a:t>17/10/2024</a:t>
             </a:fld>
             <a:endParaRPr lang="en-GB"/>
           </a:p>
@@ -5001,7 +5000,7 @@
           <a:p>
             <a:fld id="{2F210F26-B19F-4373-84D9-CF8AF3C45A6A}" type="datetimeFigureOut">
               <a:rPr lang="en-GB" smtClean="0"/>
-              <a:t>09/09/2024</a:t>
+              <a:t>17/10/2024</a:t>
             </a:fld>
             <a:endParaRPr lang="en-GB"/>
           </a:p>
@@ -5377,7 +5376,7 @@
           <a:p>
             <a:fld id="{2F210F26-B19F-4373-84D9-CF8AF3C45A6A}" type="datetimeFigureOut">
               <a:rPr lang="en-GB" smtClean="0"/>
-              <a:t>09/09/2024</a:t>
+              <a:t>17/10/2024</a:t>
             </a:fld>
             <a:endParaRPr lang="en-GB"/>
           </a:p>
@@ -5883,7 +5882,7 @@
           <a:p>
             <a:fld id="{2F210F26-B19F-4373-84D9-CF8AF3C45A6A}" type="datetimeFigureOut">
               <a:rPr lang="en-GB" smtClean="0"/>
-              <a:t>09/09/2024</a:t>
+              <a:t>17/10/2024</a:t>
             </a:fld>
             <a:endParaRPr lang="en-GB"/>
           </a:p>
@@ -6140,7 +6139,7 @@
           <a:p>
             <a:fld id="{2F210F26-B19F-4373-84D9-CF8AF3C45A6A}" type="datetimeFigureOut">
               <a:rPr lang="en-GB" smtClean="0"/>
-              <a:t>09/09/2024</a:t>
+              <a:t>17/10/2024</a:t>
             </a:fld>
             <a:endParaRPr lang="en-GB"/>
           </a:p>
@@ -6303,7 +6302,7 @@
           <a:p>
             <a:fld id="{2F210F26-B19F-4373-84D9-CF8AF3C45A6A}" type="datetimeFigureOut">
               <a:rPr lang="en-GB" smtClean="0"/>
-              <a:t>09/09/2024</a:t>
+              <a:t>17/10/2024</a:t>
             </a:fld>
             <a:endParaRPr lang="en-GB"/>
           </a:p>
@@ -6693,7 +6692,7 @@
           <a:p>
             <a:fld id="{2F210F26-B19F-4373-84D9-CF8AF3C45A6A}" type="datetimeFigureOut">
               <a:rPr lang="en-GB" smtClean="0"/>
-              <a:t>09/09/2024</a:t>
+              <a:t>17/10/2024</a:t>
             </a:fld>
             <a:endParaRPr lang="en-GB"/>
           </a:p>
@@ -7102,7 +7101,7 @@
           <a:p>
             <a:fld id="{2F210F26-B19F-4373-84D9-CF8AF3C45A6A}" type="datetimeFigureOut">
               <a:rPr lang="en-GB" smtClean="0"/>
-              <a:t>09/09/2024</a:t>
+              <a:t>17/10/2024</a:t>
             </a:fld>
             <a:endParaRPr lang="en-GB"/>
           </a:p>
@@ -7346,7 +7345,7 @@
           <a:p>
             <a:fld id="{2F210F26-B19F-4373-84D9-CF8AF3C45A6A}" type="datetimeFigureOut">
               <a:rPr lang="en-GB" smtClean="0"/>
-              <a:t>09/09/2024</a:t>
+              <a:t>17/10/2024</a:t>
             </a:fld>
             <a:endParaRPr lang="en-GB"/>
           </a:p>
@@ -7819,14 +7818,11 @@
           <a:bodyPr/>
           <a:lstStyle/>
           <a:p>
-            <a:r>
-              <a:rPr lang="en-US" b="1" dirty="0" smtClean="0">
-                <a:solidFill>
-                  <a:schemeClr val="bg1"/>
-                </a:solidFill>
-              </a:rPr>
-              <a:t>OVERVIEW REPORTS</a:t>
-            </a:r>
+            <a:endParaRPr lang="en-US" b="1" dirty="0" smtClean="0">
+              <a:solidFill>
+                <a:schemeClr val="bg1"/>
+              </a:solidFill>
+            </a:endParaRPr>
           </a:p>
           <a:p>
             <a:r>
@@ -7849,255 +7845,6 @@
     <p:extLst>
       <p:ext uri="{BB962C8B-B14F-4D97-AF65-F5344CB8AC3E}">
         <p14:creationId xmlns:p14="http://schemas.microsoft.com/office/powerpoint/2010/main" val="4125497302"/>
-      </p:ext>
-    </p:extLst>
-  </p:cSld>
-  <p:clrMapOvr>
-    <a:masterClrMapping/>
-  </p:clrMapOvr>
-</p:sld>
-</file>
-
-<file path=ppt/slides/slide10.xml><?xml version="1.0" encoding="utf-8"?>
-<p:sld xmlns:a="http://schemas.openxmlformats.org/drawingml/2006/main" xmlns:r="http://schemas.openxmlformats.org/officeDocument/2006/relationships" xmlns:p="http://schemas.openxmlformats.org/presentationml/2006/main">
-  <p:cSld>
-    <p:bg>
-      <p:bgPr>
-        <a:solidFill>
-          <a:srgbClr val="C00000">
-            <a:alpha val="80000"/>
-          </a:srgbClr>
-        </a:solidFill>
-        <a:effectLst/>
-      </p:bgPr>
-    </p:bg>
-    <p:spTree>
-      <p:nvGrpSpPr>
-        <p:cNvPr id="1" name=""/>
-        <p:cNvGrpSpPr/>
-        <p:nvPr/>
-      </p:nvGrpSpPr>
-      <p:grpSpPr>
-        <a:xfrm>
-          <a:off x="0" y="0"/>
-          <a:ext cx="0" cy="0"/>
-          <a:chOff x="0" y="0"/>
-          <a:chExt cx="0" cy="0"/>
-        </a:xfrm>
-      </p:grpSpPr>
-      <p:sp>
-        <p:nvSpPr>
-          <p:cNvPr id="11" name="Title 10"/>
-          <p:cNvSpPr>
-            <a:spLocks noGrp="1"/>
-          </p:cNvSpPr>
-          <p:nvPr>
-            <p:ph type="title"/>
-          </p:nvPr>
-        </p:nvSpPr>
-        <p:spPr/>
-        <p:txBody>
-          <a:bodyPr/>
-          <a:lstStyle/>
-          <a:p>
-            <a:r>
-              <a:rPr lang="en-US" dirty="0" smtClean="0"/>
-              <a:t>RECOMMENDATIONS</a:t>
-            </a:r>
-            <a:endParaRPr lang="en-GB" dirty="0"/>
-          </a:p>
-        </p:txBody>
-      </p:sp>
-      <p:sp>
-        <p:nvSpPr>
-          <p:cNvPr id="13" name="Text Placeholder 12"/>
-          <p:cNvSpPr>
-            <a:spLocks noGrp="1"/>
-          </p:cNvSpPr>
-          <p:nvPr>
-            <p:ph sz="half" idx="1"/>
-          </p:nvPr>
-        </p:nvSpPr>
-        <p:spPr>
-          <a:xfrm>
-            <a:off x="286181" y="2423961"/>
-            <a:ext cx="11632550" cy="3488108"/>
-          </a:xfrm>
-        </p:spPr>
-        <p:txBody>
-          <a:bodyPr>
-            <a:normAutofit/>
-          </a:bodyPr>
-          <a:lstStyle/>
-          <a:p>
-            <a:pPr marL="0" indent="0">
-              <a:buNone/>
-            </a:pPr>
-            <a:endParaRPr lang="en-US" sz="1600" b="1" dirty="0"/>
-          </a:p>
-          <a:p>
-            <a:pPr marL="342900" indent="-342900">
-              <a:buFont typeface="+mj-lt"/>
-              <a:buAutoNum type="arabicPeriod"/>
-            </a:pPr>
-            <a:r>
-              <a:rPr lang="en-US" sz="1600" b="1" dirty="0"/>
-              <a:t>Expand in the West and Northeast Regions:</a:t>
-            </a:r>
-            <a:r>
-              <a:rPr lang="en-US" sz="1600" dirty="0"/>
-              <a:t> Given the high sales in these regions, increasing advertising and product availability here could sustain </a:t>
-            </a:r>
-            <a:r>
-              <a:rPr lang="en-US" sz="1600" dirty="0" smtClean="0"/>
-              <a:t>the growth.</a:t>
-            </a:r>
-          </a:p>
-          <a:p>
-            <a:pPr marL="342900" indent="-342900">
-              <a:buFont typeface="+mj-lt"/>
-              <a:buAutoNum type="arabicPeriod"/>
-            </a:pPr>
-            <a:r>
-              <a:rPr lang="en-US" sz="1600" b="1" dirty="0" smtClean="0"/>
-              <a:t>Capitalize </a:t>
-            </a:r>
-            <a:r>
-              <a:rPr lang="en-US" sz="1600" b="1" dirty="0"/>
-              <a:t>on Seasonality:</a:t>
-            </a:r>
-            <a:r>
-              <a:rPr lang="en-US" sz="1600" dirty="0"/>
-              <a:t> To maximize on seasonal trends, Adidas could launch targeted promotions or new product lines around </a:t>
-            </a:r>
-            <a:r>
-              <a:rPr lang="en-US" sz="1600" b="1" dirty="0" smtClean="0"/>
-              <a:t>July </a:t>
-            </a:r>
-            <a:r>
-              <a:rPr lang="en-US" sz="1600" dirty="0" smtClean="0"/>
-              <a:t>and </a:t>
-            </a:r>
-            <a:r>
-              <a:rPr lang="en-US" sz="1600" b="1" dirty="0" smtClean="0"/>
-              <a:t>August as well as the holiday season in December. While also </a:t>
-            </a:r>
-            <a:r>
-              <a:rPr lang="en-US" sz="1600" dirty="0" smtClean="0"/>
-              <a:t>devising </a:t>
-            </a:r>
-            <a:r>
-              <a:rPr lang="en-US" sz="1600" dirty="0"/>
-              <a:t>strategies to mitigate the slow periods (e.g., January–March</a:t>
-            </a:r>
-            <a:r>
-              <a:rPr lang="en-US" sz="1600" dirty="0" smtClean="0"/>
-              <a:t>).</a:t>
-            </a:r>
-          </a:p>
-          <a:p>
-            <a:pPr marL="342900" indent="-342900">
-              <a:buFont typeface="+mj-lt"/>
-              <a:buAutoNum type="arabicPeriod"/>
-            </a:pPr>
-            <a:r>
-              <a:rPr lang="en-US" sz="1600" b="1" dirty="0" smtClean="0"/>
-              <a:t>Focus </a:t>
-            </a:r>
-            <a:r>
-              <a:rPr lang="en-US" sz="1600" b="1" dirty="0"/>
-              <a:t>on Brick-and-Mortar Retailers:</a:t>
-            </a:r>
-            <a:r>
-              <a:rPr lang="en-US" sz="1600" dirty="0"/>
-              <a:t> </a:t>
-            </a:r>
-            <a:r>
-              <a:rPr lang="en-US" sz="1600" b="1" dirty="0"/>
-              <a:t>West Gear</a:t>
-            </a:r>
-            <a:r>
-              <a:rPr lang="en-US" sz="1600" dirty="0"/>
-              <a:t>, </a:t>
-            </a:r>
-            <a:r>
-              <a:rPr lang="en-US" sz="1600" b="1" dirty="0"/>
-              <a:t>Foot Locker</a:t>
-            </a:r>
-            <a:r>
-              <a:rPr lang="en-US" sz="1600" dirty="0"/>
-              <a:t>, and </a:t>
-            </a:r>
-            <a:r>
-              <a:rPr lang="en-US" sz="1600" b="1" dirty="0"/>
-              <a:t>Sports Direct</a:t>
-            </a:r>
-            <a:r>
-              <a:rPr lang="en-US" sz="1600" dirty="0"/>
-              <a:t> are strong sales channels. Strengthening partnerships with these retailers, possibly through exclusive product lines or collaborations, could further boost sales. However, Adidas might also explore ways to improve its online presence, especially with </a:t>
-            </a:r>
-            <a:r>
-              <a:rPr lang="en-US" sz="1600" b="1" dirty="0" smtClean="0"/>
-              <a:t>Amazon</a:t>
-            </a:r>
-            <a:r>
-              <a:rPr lang="en-US" sz="1600" dirty="0" smtClean="0"/>
-              <a:t>.</a:t>
-            </a:r>
-          </a:p>
-          <a:p>
-            <a:pPr marL="342900" indent="-342900">
-              <a:buFont typeface="+mj-lt"/>
-              <a:buAutoNum type="arabicPeriod"/>
-            </a:pPr>
-            <a:r>
-              <a:rPr lang="en-US" sz="1600" b="1" dirty="0" smtClean="0"/>
-              <a:t>Product </a:t>
-            </a:r>
-            <a:r>
-              <a:rPr lang="en-US" sz="1600" b="1" dirty="0"/>
-              <a:t>Focus:</a:t>
-            </a:r>
-            <a:r>
-              <a:rPr lang="en-US" sz="1600" dirty="0"/>
-              <a:t> While footwear dominates, women's categories, especially in footwear, have room for growth. Marketing campaigns targeting women and expanding the product variety for </a:t>
-            </a:r>
-            <a:r>
-              <a:rPr lang="en-US" sz="1600" b="1" dirty="0"/>
-              <a:t>Women's Footwear</a:t>
-            </a:r>
-            <a:r>
-              <a:rPr lang="en-US" sz="1600" dirty="0"/>
-              <a:t> could close the gap.</a:t>
-            </a:r>
-          </a:p>
-          <a:p>
-            <a:pPr marL="0" indent="0">
-              <a:buNone/>
-            </a:pPr>
-            <a:endParaRPr lang="en-US" sz="1400" dirty="0"/>
-          </a:p>
-          <a:p>
-            <a:endParaRPr lang="en-US" sz="1500" dirty="0"/>
-          </a:p>
-          <a:p>
-            <a:pPr marL="0" indent="0">
-              <a:buNone/>
-            </a:pPr>
-            <a:endParaRPr lang="en-US" dirty="0"/>
-          </a:p>
-          <a:p>
-            <a:endParaRPr lang="en-GB" dirty="0"/>
-          </a:p>
-          <a:p>
-            <a:endParaRPr lang="en-GB" dirty="0"/>
-          </a:p>
-        </p:txBody>
-      </p:sp>
-    </p:spTree>
-    <p:extLst>
-      <p:ext uri="{BB962C8B-B14F-4D97-AF65-F5344CB8AC3E}">
-        <p14:creationId xmlns:p14="http://schemas.microsoft.com/office/powerpoint/2010/main" val="2565212340"/>
       </p:ext>
     </p:extLst>
   </p:cSld>
@@ -8150,10 +7897,10 @@
           <a:lstStyle/>
           <a:p>
             <a:r>
-              <a:rPr lang="en-US" dirty="0" smtClean="0"/>
+              <a:rPr lang="en-US" b="1" dirty="0" smtClean="0"/>
               <a:t>BUSINESS REQUIREMENT</a:t>
             </a:r>
-            <a:endParaRPr lang="en-GB" dirty="0"/>
+            <a:endParaRPr lang="en-GB" b="1" dirty="0"/>
           </a:p>
         </p:txBody>
       </p:sp>
@@ -8183,40 +7930,61 @@
               <a:buNone/>
             </a:pPr>
             <a:r>
-              <a:rPr lang="en-US" sz="2000" dirty="0" smtClean="0"/>
+              <a:rPr lang="en-US" dirty="0" smtClean="0">
+                <a:ea typeface="Calibri" panose="020F0502020204030204" pitchFamily="34" charset="0"/>
+                <a:cs typeface="Calibri" panose="020F0502020204030204" pitchFamily="34" charset="0"/>
+              </a:rPr>
               <a:t>The aim is to empower Adidas’s decision makers with data driven insights fostering strategic growth and competitiveness in dynamic sports and athletic industry.</a:t>
             </a:r>
           </a:p>
           <a:p>
             <a:r>
-              <a:rPr lang="en-US" sz="2000" dirty="0" smtClean="0"/>
+              <a:rPr lang="en-US" dirty="0" smtClean="0">
+                <a:ea typeface="Calibri" panose="020F0502020204030204" pitchFamily="34" charset="0"/>
+                <a:cs typeface="Calibri" panose="020F0502020204030204" pitchFamily="34" charset="0"/>
+              </a:rPr>
               <a:t>The goal is to enhance understanding of sales dynamics and performance drivers.</a:t>
             </a:r>
           </a:p>
           <a:p>
             <a:r>
-              <a:rPr lang="en-US" sz="2000" dirty="0" smtClean="0"/>
+              <a:rPr lang="en-US" dirty="0" smtClean="0">
+                <a:ea typeface="Calibri" panose="020F0502020204030204" pitchFamily="34" charset="0"/>
+                <a:cs typeface="Calibri" panose="020F0502020204030204" pitchFamily="34" charset="0"/>
+              </a:rPr>
               <a:t>Identify geographical areas with high and low sales.</a:t>
             </a:r>
           </a:p>
           <a:p>
             <a:r>
-              <a:rPr lang="en-US" sz="2000" dirty="0" smtClean="0"/>
+              <a:rPr lang="en-US" dirty="0" smtClean="0">
+                <a:ea typeface="Calibri" panose="020F0502020204030204" pitchFamily="34" charset="0"/>
+                <a:cs typeface="Calibri" panose="020F0502020204030204" pitchFamily="34" charset="0"/>
+              </a:rPr>
               <a:t>Insights into product performance, aiding in inventory and marketing decisions.</a:t>
             </a:r>
           </a:p>
           <a:p>
             <a:r>
-              <a:rPr lang="en-US" sz="2000" dirty="0" smtClean="0"/>
+              <a:rPr lang="en-US" dirty="0" smtClean="0">
+                <a:ea typeface="Calibri" panose="020F0502020204030204" pitchFamily="34" charset="0"/>
+                <a:cs typeface="Calibri" panose="020F0502020204030204" pitchFamily="34" charset="0"/>
+              </a:rPr>
               <a:t>Informed Pricing and margin strategies for improved profitability.</a:t>
             </a:r>
           </a:p>
           <a:p>
             <a:r>
-              <a:rPr lang="en-US" sz="2000" dirty="0" smtClean="0"/>
+              <a:rPr lang="en-US" dirty="0" smtClean="0">
+                <a:ea typeface="Calibri" panose="020F0502020204030204" pitchFamily="34" charset="0"/>
+                <a:cs typeface="Calibri" panose="020F0502020204030204" pitchFamily="34" charset="0"/>
+              </a:rPr>
               <a:t>Actionable recommendation for optimizing sales and profit across various dimensions</a:t>
             </a:r>
-            <a:endParaRPr lang="en-GB" sz="2000" dirty="0"/>
+            <a:endParaRPr lang="en-GB" dirty="0">
+              <a:ea typeface="Calibri" panose="020F0502020204030204" pitchFamily="34" charset="0"/>
+              <a:cs typeface="Calibri" panose="020F0502020204030204" pitchFamily="34" charset="0"/>
+            </a:endParaRPr>
           </a:p>
         </p:txBody>
       </p:sp>
@@ -8260,39 +8028,106 @@
           <a:chExt cx="0" cy="0"/>
         </a:xfrm>
       </p:grpSpPr>
-      <p:pic>
-        <p:nvPicPr>
-          <p:cNvPr id="4" name="Content Placeholder 3"/>
-          <p:cNvPicPr>
-            <a:picLocks noGrp="1" noChangeAspect="1"/>
-          </p:cNvPicPr>
-          <p:nvPr>
-            <p:ph idx="4294967295"/>
-          </p:nvPr>
-        </p:nvPicPr>
-        <p:blipFill>
-          <a:blip r:embed="rId2">
-            <a:extLst>
-              <a:ext uri="{28A0092B-C50C-407E-A947-70E740481C1C}">
-                <a14:useLocalDpi xmlns:a14="http://schemas.microsoft.com/office/drawing/2010/main" val="0"/>
-              </a:ext>
-            </a:extLst>
-          </a:blip>
-          <a:stretch>
-            <a:fillRect/>
-          </a:stretch>
-        </p:blipFill>
-        <p:spPr>
-          <a:xfrm>
-            <a:off x="279165" y="316079"/>
-            <a:ext cx="11508059" cy="6155474"/>
-          </a:xfrm>
-        </p:spPr>
-      </p:pic>
+      <p:sp>
+        <p:nvSpPr>
+          <p:cNvPr id="11" name="Title 10"/>
+          <p:cNvSpPr>
+            <a:spLocks noGrp="1"/>
+          </p:cNvSpPr>
+          <p:nvPr>
+            <p:ph type="title"/>
+          </p:nvPr>
+        </p:nvSpPr>
+        <p:spPr/>
+        <p:txBody>
+          <a:bodyPr/>
+          <a:lstStyle/>
+          <a:p>
+            <a:r>
+              <a:rPr lang="en-US" b="1" dirty="0" smtClean="0">
+                <a:ea typeface="Calibri" panose="020F0502020204030204" pitchFamily="34" charset="0"/>
+                <a:cs typeface="Calibri" panose="020F0502020204030204" pitchFamily="34" charset="0"/>
+              </a:rPr>
+              <a:t>DATA CLEANING AND PROCESSING</a:t>
+            </a:r>
+            <a:endParaRPr lang="en-GB" b="1" dirty="0">
+              <a:ea typeface="Calibri" panose="020F0502020204030204" pitchFamily="34" charset="0"/>
+              <a:cs typeface="Calibri" panose="020F0502020204030204" pitchFamily="34" charset="0"/>
+            </a:endParaRPr>
+          </a:p>
+        </p:txBody>
+      </p:sp>
+      <p:sp>
+        <p:nvSpPr>
+          <p:cNvPr id="2" name="Content Placeholder 1"/>
+          <p:cNvSpPr>
+            <a:spLocks noGrp="1"/>
+          </p:cNvSpPr>
+          <p:nvPr>
+            <p:ph sz="half" idx="1"/>
+          </p:nvPr>
+        </p:nvSpPr>
+        <p:spPr>
+          <a:xfrm>
+            <a:off x="220717" y="2336873"/>
+            <a:ext cx="11824137" cy="3599316"/>
+          </a:xfrm>
+        </p:spPr>
+        <p:txBody>
+          <a:bodyPr>
+            <a:normAutofit/>
+          </a:bodyPr>
+          <a:lstStyle/>
+          <a:p>
+            <a:pPr lvl="0"/>
+            <a:r>
+              <a:rPr lang="en-GB" dirty="0">
+                <a:latin typeface="Calibri" panose="020F0502020204030204" pitchFamily="34" charset="0"/>
+                <a:ea typeface="Calibri" panose="020F0502020204030204" pitchFamily="34" charset="0"/>
+                <a:cs typeface="Calibri" panose="020F0502020204030204" pitchFamily="34" charset="0"/>
+              </a:rPr>
+              <a:t>Added a calculated total sales column, this column helps us to understanding total revenue generated throughout the years. Analysing overall sales performance over time.</a:t>
+            </a:r>
+          </a:p>
+          <a:p>
+            <a:pPr lvl="0"/>
+            <a:r>
+              <a:rPr lang="en-GB" dirty="0">
+                <a:latin typeface="Calibri" panose="020F0502020204030204" pitchFamily="34" charset="0"/>
+                <a:ea typeface="Calibri" panose="020F0502020204030204" pitchFamily="34" charset="0"/>
+                <a:cs typeface="Calibri" panose="020F0502020204030204" pitchFamily="34" charset="0"/>
+              </a:rPr>
+              <a:t>Added a calculated % operating margins column, this column helps us evaluate % profit generated by Adidas across different dimensions</a:t>
+            </a:r>
+          </a:p>
+          <a:p>
+            <a:pPr lvl="0"/>
+            <a:r>
+              <a:rPr lang="en-GB" dirty="0">
+                <a:latin typeface="Calibri" panose="020F0502020204030204" pitchFamily="34" charset="0"/>
+                <a:ea typeface="Calibri" panose="020F0502020204030204" pitchFamily="34" charset="0"/>
+                <a:cs typeface="Calibri" panose="020F0502020204030204" pitchFamily="34" charset="0"/>
+              </a:rPr>
+              <a:t>Changed the Invoice date to the correct date format.</a:t>
+            </a:r>
+          </a:p>
+          <a:p>
+            <a:pPr lvl="0"/>
+            <a:r>
+              <a:rPr lang="en-GB" dirty="0">
+                <a:latin typeface="Calibri" panose="020F0502020204030204" pitchFamily="34" charset="0"/>
+                <a:ea typeface="Calibri" panose="020F0502020204030204" pitchFamily="34" charset="0"/>
+                <a:cs typeface="Calibri" panose="020F0502020204030204" pitchFamily="34" charset="0"/>
+              </a:rPr>
+              <a:t>Checked the dataset for duplicates to ensure high data quality.</a:t>
+            </a:r>
+          </a:p>
+        </p:txBody>
+      </p:sp>
     </p:spTree>
     <p:extLst>
       <p:ext uri="{BB962C8B-B14F-4D97-AF65-F5344CB8AC3E}">
-        <p14:creationId xmlns:p14="http://schemas.microsoft.com/office/powerpoint/2010/main" val="2834010214"/>
+        <p14:creationId xmlns:p14="http://schemas.microsoft.com/office/powerpoint/2010/main" val="1901421382"/>
       </p:ext>
     </p:extLst>
   </p:cSld>
@@ -8341,8 +8176,8 @@
         </p:nvSpPr>
         <p:spPr>
           <a:xfrm>
-            <a:off x="194219" y="784758"/>
-            <a:ext cx="3119169" cy="1080940"/>
+            <a:off x="680320" y="753228"/>
+            <a:ext cx="6400800" cy="914400"/>
           </a:xfrm>
         </p:spPr>
         <p:txBody>
@@ -8350,137 +8185,110 @@
           <a:lstStyle/>
           <a:p>
             <a:r>
+              <a:rPr lang="en-US" b="1" dirty="0" smtClean="0"/>
+              <a:t>OVERVIEW KPIs</a:t>
+            </a:r>
+            <a:endParaRPr lang="en-GB" b="1" dirty="0"/>
+          </a:p>
+        </p:txBody>
+      </p:sp>
+      <p:sp>
+        <p:nvSpPr>
+          <p:cNvPr id="13" name="Text Placeholder 12"/>
+          <p:cNvSpPr>
+            <a:spLocks noGrp="1"/>
+          </p:cNvSpPr>
+          <p:nvPr>
+            <p:ph idx="1"/>
+          </p:nvPr>
+        </p:nvSpPr>
+        <p:spPr>
+          <a:xfrm>
+            <a:off x="243903" y="2108272"/>
+            <a:ext cx="11511679" cy="4541909"/>
+          </a:xfrm>
+        </p:spPr>
+        <p:txBody>
+          <a:bodyPr>
+            <a:normAutofit lnSpcReduction="10000"/>
+          </a:bodyPr>
+          <a:lstStyle/>
+          <a:p>
+            <a:endParaRPr lang="en-GB" dirty="0"/>
+          </a:p>
+          <a:p>
+            <a:r>
+              <a:rPr lang="en-US" b="1" dirty="0"/>
+              <a:t>Total Sales: $</a:t>
+            </a:r>
+            <a:r>
+              <a:rPr lang="en-US" b="1" dirty="0" smtClean="0"/>
+              <a:t>120.16M</a:t>
+            </a:r>
+            <a:r>
               <a:rPr lang="en-US" dirty="0" smtClean="0"/>
-              <a:t>OVERVIEW KPIs</a:t>
-            </a:r>
-            <a:endParaRPr lang="en-GB" dirty="0"/>
-          </a:p>
-        </p:txBody>
-      </p:sp>
-      <p:pic>
-        <p:nvPicPr>
-          <p:cNvPr id="14" name="Content Placeholder 13"/>
-          <p:cNvPicPr>
-            <a:picLocks noGrp="1" noChangeAspect="1"/>
-          </p:cNvPicPr>
-          <p:nvPr>
-            <p:ph idx="1"/>
-          </p:nvPr>
-        </p:nvPicPr>
-        <p:blipFill>
-          <a:blip r:embed="rId2">
-            <a:extLst>
-              <a:ext uri="{28A0092B-C50C-407E-A947-70E740481C1C}">
-                <a14:useLocalDpi xmlns:a14="http://schemas.microsoft.com/office/drawing/2010/main" val="0"/>
-              </a:ext>
-            </a:extLst>
-          </a:blip>
-          <a:stretch>
-            <a:fillRect/>
-          </a:stretch>
-        </p:blipFill>
-        <p:spPr>
-          <a:xfrm>
-            <a:off x="4177862" y="2750590"/>
-            <a:ext cx="8014138" cy="1822761"/>
-          </a:xfrm>
-        </p:spPr>
-      </p:pic>
-      <p:sp>
-        <p:nvSpPr>
-          <p:cNvPr id="13" name="Text Placeholder 12"/>
-          <p:cNvSpPr>
-            <a:spLocks noGrp="1"/>
-          </p:cNvSpPr>
-          <p:nvPr>
-            <p:ph type="body" sz="half" idx="2"/>
-          </p:nvPr>
-        </p:nvSpPr>
-        <p:spPr>
-          <a:xfrm>
-            <a:off x="194219" y="2403749"/>
-            <a:ext cx="3702491" cy="3674350"/>
-          </a:xfrm>
-        </p:spPr>
-        <p:txBody>
-          <a:bodyPr/>
-          <a:lstStyle/>
-          <a:p>
+              <a:t> this </a:t>
+            </a:r>
+            <a:r>
+              <a:rPr lang="en-US" dirty="0"/>
+              <a:t>reflects the overall revenue Adidas has generated. It's a strong figure, indicating solid demand for their products during the analyzed period</a:t>
+            </a:r>
             <a:r>
               <a:rPr lang="en-US" dirty="0" smtClean="0"/>
-              <a:t>To conduct a comprehensive analysis of the Adidas Sales we need to identity the </a:t>
+              <a:t>.</a:t>
+            </a:r>
+          </a:p>
+          <a:p>
+            <a:r>
+              <a:rPr lang="en-US" dirty="0"/>
+              <a:t>With a profit of nearly </a:t>
+            </a:r>
+            <a:r>
+              <a:rPr lang="en-US" b="1" dirty="0"/>
+              <a:t>$47.22M</a:t>
+            </a:r>
+            <a:r>
+              <a:rPr lang="en-US" dirty="0"/>
+              <a:t>, Adidas has managed to convert a significant portion of sales into profit, showing effective cost management and strong profitability</a:t>
             </a:r>
             <a:r>
               <a:rPr lang="en-US" dirty="0" smtClean="0"/>
-              <a:t>KPIs</a:t>
+              <a:t>.</a:t>
+            </a:r>
+          </a:p>
+          <a:p>
+            <a:r>
+              <a:rPr lang="en-US" b="1" dirty="0"/>
+              <a:t>Average Profit Margin: </a:t>
+            </a:r>
+            <a:r>
+              <a:rPr lang="en-US" b="1" dirty="0" smtClean="0"/>
+              <a:t>42.30%</a:t>
+            </a:r>
+            <a:r>
+              <a:rPr lang="en-US" dirty="0" smtClean="0"/>
+              <a:t> this </a:t>
+            </a:r>
+            <a:r>
+              <a:rPr lang="en-US" dirty="0"/>
+              <a:t>is a healthy profit margin for a retail business, reflecting that Adidas is managing to keep a good balance between cost and revenue, allowing for substantial profitability after expenses</a:t>
+            </a:r>
+            <a:r>
+              <a:rPr lang="en-US" dirty="0" smtClean="0"/>
+              <a:t>.</a:t>
+            </a:r>
+          </a:p>
+          <a:p>
+            <a:r>
+              <a:rPr lang="en-US" dirty="0"/>
+              <a:t>The combination of high sales and profit reflects a strong market demand and effective strategy, placing Adidas in a good position for growth.</a:t>
             </a:r>
           </a:p>
           <a:p>
             <a:endParaRPr lang="en-US" dirty="0" smtClean="0"/>
           </a:p>
           <a:p>
-            <a:pPr marL="285750" indent="-285750">
-              <a:buFont typeface="Arial" panose="020B0604020202020204" pitchFamily="34" charset="0"/>
-              <a:buChar char="•"/>
-            </a:pPr>
-            <a:r>
-              <a:rPr lang="en-US" dirty="0" smtClean="0"/>
-              <a:t>TOTAL SALES; $120.16M</a:t>
-            </a:r>
-            <a:endParaRPr lang="en-GB" dirty="0"/>
-          </a:p>
-          <a:p>
-            <a:pPr marL="285750" indent="-285750">
-              <a:buFont typeface="Arial" panose="020B0604020202020204" pitchFamily="34" charset="0"/>
-              <a:buChar char="•"/>
-            </a:pPr>
-            <a:r>
-              <a:rPr lang="en-US" dirty="0"/>
-              <a:t>TOTAL </a:t>
-            </a:r>
-            <a:r>
-              <a:rPr lang="en-US" dirty="0" smtClean="0"/>
-              <a:t>PROFITS; $47.22M</a:t>
-            </a:r>
-            <a:endParaRPr lang="en-GB" dirty="0"/>
-          </a:p>
-          <a:p>
-            <a:pPr marL="285750" indent="-285750">
-              <a:buFont typeface="Arial" panose="020B0604020202020204" pitchFamily="34" charset="0"/>
-              <a:buChar char="•"/>
-            </a:pPr>
-            <a:r>
-              <a:rPr lang="en-US" dirty="0"/>
-              <a:t>TOTAL </a:t>
-            </a:r>
-            <a:r>
-              <a:rPr lang="en-US" dirty="0" smtClean="0"/>
-              <a:t>UNITS SOLD; 2.48M</a:t>
-            </a:r>
-            <a:endParaRPr lang="en-GB" dirty="0"/>
-          </a:p>
-          <a:p>
-            <a:pPr marL="285750" indent="-285750">
-              <a:buFont typeface="Arial" panose="020B0604020202020204" pitchFamily="34" charset="0"/>
-              <a:buChar char="•"/>
-            </a:pPr>
-            <a:r>
-              <a:rPr lang="en-US" dirty="0" smtClean="0"/>
-              <a:t>AVERAGE PRICE PER UNIT; $45.22</a:t>
-            </a:r>
-          </a:p>
-          <a:p>
-            <a:pPr marL="285750" indent="-285750">
-              <a:buFont typeface="Arial" panose="020B0604020202020204" pitchFamily="34" charset="0"/>
-              <a:buChar char="•"/>
-            </a:pPr>
-            <a:r>
-              <a:rPr lang="en-US" dirty="0" smtClean="0"/>
-              <a:t>AVERAGE PROFIT MARGIN; 42.30%</a:t>
-            </a:r>
-          </a:p>
-          <a:p>
-            <a:endParaRPr lang="en-GB" dirty="0"/>
+            <a:endParaRPr lang="en-US" dirty="0"/>
           </a:p>
           <a:p>
             <a:endParaRPr lang="en-GB" dirty="0"/>
@@ -8537,16 +8345,21 @@
             <p:ph type="title"/>
           </p:nvPr>
         </p:nvSpPr>
-        <p:spPr/>
+        <p:spPr>
+          <a:xfrm>
+            <a:off x="680321" y="753227"/>
+            <a:ext cx="6400800" cy="914400"/>
+          </a:xfrm>
+        </p:spPr>
         <p:txBody>
           <a:bodyPr/>
           <a:lstStyle/>
           <a:p>
             <a:r>
-              <a:rPr lang="en-US" dirty="0" smtClean="0"/>
-              <a:t>OVERVIEW</a:t>
-            </a:r>
-            <a:endParaRPr lang="en-GB" dirty="0"/>
+              <a:rPr lang="en-US" b="1" dirty="0" smtClean="0"/>
+              <a:t>INSIGHTS</a:t>
+            </a:r>
+            <a:endParaRPr lang="en-GB" b="1" dirty="0"/>
           </a:p>
         </p:txBody>
       </p:sp>
@@ -8562,22 +8375,33 @@
         </p:nvSpPr>
         <p:spPr>
           <a:xfrm>
-            <a:off x="415194" y="2113418"/>
-            <a:ext cx="4287008" cy="2207172"/>
+            <a:off x="249382" y="2140528"/>
+            <a:ext cx="6192981" cy="4526352"/>
           </a:xfrm>
         </p:spPr>
         <p:txBody>
           <a:bodyPr>
-            <a:normAutofit fontScale="62500" lnSpcReduction="20000"/>
+            <a:normAutofit fontScale="92500" lnSpcReduction="10000"/>
           </a:bodyPr>
           <a:lstStyle/>
           <a:p>
-            <a:endParaRPr lang="en-US" sz="2300" dirty="0" smtClean="0"/>
-          </a:p>
-          <a:p>
-            <a:r>
-              <a:rPr lang="en-US" sz="2600" dirty="0" smtClean="0"/>
-              <a:t>Total Sales By Month:</a:t>
+            <a:endParaRPr lang="en-US" sz="2200" dirty="0" smtClean="0"/>
+          </a:p>
+          <a:p>
+            <a:endParaRPr lang="en-US" sz="2200" dirty="0" smtClean="0"/>
+          </a:p>
+          <a:p>
+            <a:pPr marL="342900" indent="-342900">
+              <a:buFont typeface="Arial" panose="020B0604020202020204" pitchFamily="34" charset="0"/>
+              <a:buChar char="•"/>
+            </a:pPr>
+            <a:r>
+              <a:rPr lang="en-US" sz="2200" dirty="0" smtClean="0"/>
+              <a:t>The </a:t>
+            </a:r>
+            <a:r>
+              <a:rPr lang="en-US" sz="2200" dirty="0" smtClean="0"/>
+              <a:t>Line Chart shows the total  sales performance with July ($12.6M) and August ($12.3M) being the peak months.</a:t>
             </a:r>
           </a:p>
           <a:p>
@@ -8586,20 +8410,55 @@
               <a:buChar char="•"/>
             </a:pPr>
             <a:r>
-              <a:rPr lang="en-US" sz="2600" dirty="0" smtClean="0"/>
-              <a:t>The Line Chart shows the total  sales performance with July ($12.6M) and August ($12.3M) being the peak months.</a:t>
-            </a:r>
+              <a:rPr lang="en-US" sz="2200" dirty="0" smtClean="0"/>
+              <a:t>We also get to see the sales peak up in December ($11.4M) after a huge drop in the other months. This could be because it is a holiday season</a:t>
+            </a:r>
+            <a:r>
+              <a:rPr lang="en-US" sz="2200" dirty="0" smtClean="0"/>
+              <a:t>.</a:t>
+            </a:r>
+          </a:p>
+          <a:p>
+            <a:pPr marL="285750" lvl="0" indent="-285750">
+              <a:buFont typeface="Arial" panose="020B0604020202020204" pitchFamily="34" charset="0"/>
+              <a:buChar char="•"/>
+            </a:pPr>
+            <a:r>
+              <a:rPr lang="en-US" sz="2200" dirty="0"/>
+              <a:t>There is a </a:t>
+            </a:r>
+            <a:r>
+              <a:rPr lang="en-US" sz="2200" b="1" dirty="0"/>
+              <a:t>clear seasonal trend</a:t>
+            </a:r>
+            <a:r>
+              <a:rPr lang="en-US" sz="2200" dirty="0"/>
+              <a:t> in sales, with </a:t>
+            </a:r>
+            <a:r>
+              <a:rPr lang="en-US" sz="2200" b="1" dirty="0"/>
+              <a:t>July</a:t>
+            </a:r>
+            <a:r>
+              <a:rPr lang="en-US" sz="2200" dirty="0"/>
+              <a:t> ($12.4M) and </a:t>
+            </a:r>
+            <a:r>
+              <a:rPr lang="en-US" sz="2200" b="1" dirty="0"/>
+              <a:t>August</a:t>
+            </a:r>
+            <a:r>
+              <a:rPr lang="en-US" sz="2200" dirty="0"/>
+              <a:t> ($12.3M) being the top-performing months. This could be due to potential promotions or new product releases in July and August. During the December holiday sales do up to ($11.4M). On the contrary, the beginning of the year (January-March) shows lower sales, implying possible slow seasons.</a:t>
+            </a:r>
+            <a:endParaRPr lang="en-GB" sz="2200" dirty="0"/>
           </a:p>
           <a:p>
             <a:pPr marL="285750" indent="-285750">
               <a:buFont typeface="Arial" panose="020B0604020202020204" pitchFamily="34" charset="0"/>
               <a:buChar char="•"/>
             </a:pPr>
-            <a:r>
-              <a:rPr lang="en-US" sz="2600" dirty="0" smtClean="0"/>
-              <a:t>We also get to see the sales peak up in December ($11.4M) after a huge drop in the other months. This could be because it is a holiday season.</a:t>
-            </a:r>
-            <a:endParaRPr lang="en-US" sz="2600" dirty="0" smtClean="0"/>
+            <a:endParaRPr lang="en-US" sz="2200" dirty="0" smtClean="0"/>
           </a:p>
           <a:p>
             <a:endParaRPr lang="en-GB" dirty="0"/>
@@ -8633,273 +8492,9 @@
         </p:blipFill>
         <p:spPr>
           <a:xfrm>
-            <a:off x="5274543" y="2113418"/>
-            <a:ext cx="5591976" cy="2207172"/>
-          </a:xfrm>
-        </p:spPr>
-      </p:pic>
-      <p:sp>
-        <p:nvSpPr>
-          <p:cNvPr id="8" name="Text Placeholder 12"/>
-          <p:cNvSpPr txBox="1">
-            <a:spLocks/>
-          </p:cNvSpPr>
-          <p:nvPr/>
-        </p:nvSpPr>
-        <p:spPr>
-          <a:xfrm>
-            <a:off x="415193" y="4599840"/>
-            <a:ext cx="4287009" cy="1955479"/>
-          </a:xfrm>
-          <a:prstGeom prst="rect">
-            <a:avLst/>
-          </a:prstGeom>
-        </p:spPr>
-        <p:txBody>
-          <a:bodyPr vert="horz" lIns="91440" tIns="45720" rIns="91440" bIns="45720" rtlCol="0" anchor="ctr">
-            <a:normAutofit/>
-          </a:bodyPr>
-          <a:lstStyle>
-            <a:lvl1pPr marL="0" indent="0" algn="l" defTabSz="914400" rtl="0" eaLnBrk="1" latinLnBrk="0" hangingPunct="1">
-              <a:lnSpc>
-                <a:spcPct val="90000"/>
-              </a:lnSpc>
-              <a:spcBef>
-                <a:spcPts val="1000"/>
-              </a:spcBef>
-              <a:buFont typeface="Arial" panose="020B0604020202020204" pitchFamily="34" charset="0"/>
-              <a:buNone/>
-              <a:defRPr sz="1600" kern="1200">
-                <a:solidFill>
-                  <a:schemeClr val="tx1"/>
-                </a:solidFill>
-                <a:latin typeface="+mn-lt"/>
-                <a:ea typeface="+mn-ea"/>
-                <a:cs typeface="+mn-cs"/>
-              </a:defRPr>
-            </a:lvl1pPr>
-            <a:lvl2pPr marL="457200" indent="0" algn="l" defTabSz="914400" rtl="0" eaLnBrk="1" latinLnBrk="0" hangingPunct="1">
-              <a:lnSpc>
-                <a:spcPct val="90000"/>
-              </a:lnSpc>
-              <a:spcBef>
-                <a:spcPts val="500"/>
-              </a:spcBef>
-              <a:buFont typeface="Arial" panose="020B0604020202020204" pitchFamily="34" charset="0"/>
-              <a:buNone/>
-              <a:defRPr sz="1400" kern="1200">
-                <a:solidFill>
-                  <a:schemeClr val="tx1"/>
-                </a:solidFill>
-                <a:latin typeface="+mn-lt"/>
-                <a:ea typeface="+mn-ea"/>
-                <a:cs typeface="+mn-cs"/>
-              </a:defRPr>
-            </a:lvl2pPr>
-            <a:lvl3pPr marL="914400" indent="0" algn="l" defTabSz="914400" rtl="0" eaLnBrk="1" latinLnBrk="0" hangingPunct="1">
-              <a:lnSpc>
-                <a:spcPct val="90000"/>
-              </a:lnSpc>
-              <a:spcBef>
-                <a:spcPts val="500"/>
-              </a:spcBef>
-              <a:buFont typeface="Arial" panose="020B0604020202020204" pitchFamily="34" charset="0"/>
-              <a:buNone/>
-              <a:defRPr sz="1200" kern="1200">
-                <a:solidFill>
-                  <a:schemeClr val="tx1"/>
-                </a:solidFill>
-                <a:latin typeface="+mn-lt"/>
-                <a:ea typeface="+mn-ea"/>
-                <a:cs typeface="+mn-cs"/>
-              </a:defRPr>
-            </a:lvl3pPr>
-            <a:lvl4pPr marL="1371600" indent="0" algn="l" defTabSz="914400" rtl="0" eaLnBrk="1" latinLnBrk="0" hangingPunct="1">
-              <a:lnSpc>
-                <a:spcPct val="90000"/>
-              </a:lnSpc>
-              <a:spcBef>
-                <a:spcPts val="500"/>
-              </a:spcBef>
-              <a:buFont typeface="Arial" panose="020B0604020202020204" pitchFamily="34" charset="0"/>
-              <a:buNone/>
-              <a:defRPr sz="1000" kern="1200">
-                <a:solidFill>
-                  <a:schemeClr val="tx1"/>
-                </a:solidFill>
-                <a:latin typeface="+mn-lt"/>
-                <a:ea typeface="+mn-ea"/>
-                <a:cs typeface="+mn-cs"/>
-              </a:defRPr>
-            </a:lvl4pPr>
-            <a:lvl5pPr marL="1828800" indent="0" algn="l" defTabSz="914400" rtl="0" eaLnBrk="1" latinLnBrk="0" hangingPunct="1">
-              <a:lnSpc>
-                <a:spcPct val="90000"/>
-              </a:lnSpc>
-              <a:spcBef>
-                <a:spcPts val="500"/>
-              </a:spcBef>
-              <a:buFont typeface="Arial" panose="020B0604020202020204" pitchFamily="34" charset="0"/>
-              <a:buNone/>
-              <a:defRPr sz="1000" kern="1200">
-                <a:solidFill>
-                  <a:schemeClr val="tx1"/>
-                </a:solidFill>
-                <a:latin typeface="+mn-lt"/>
-                <a:ea typeface="+mn-ea"/>
-                <a:cs typeface="+mn-cs"/>
-              </a:defRPr>
-            </a:lvl5pPr>
-            <a:lvl6pPr marL="2286000" indent="0" algn="l" defTabSz="914400" rtl="0" eaLnBrk="1" latinLnBrk="0" hangingPunct="1">
-              <a:lnSpc>
-                <a:spcPct val="90000"/>
-              </a:lnSpc>
-              <a:spcBef>
-                <a:spcPts val="500"/>
-              </a:spcBef>
-              <a:buFont typeface="Arial" panose="020B0604020202020204" pitchFamily="34" charset="0"/>
-              <a:buNone/>
-              <a:defRPr sz="1000" kern="1200">
-                <a:solidFill>
-                  <a:schemeClr val="tx1"/>
-                </a:solidFill>
-                <a:latin typeface="+mn-lt"/>
-                <a:ea typeface="+mn-ea"/>
-                <a:cs typeface="+mn-cs"/>
-              </a:defRPr>
-            </a:lvl6pPr>
-            <a:lvl7pPr marL="2743200" indent="0" algn="l" defTabSz="914400" rtl="0" eaLnBrk="1" latinLnBrk="0" hangingPunct="1">
-              <a:lnSpc>
-                <a:spcPct val="90000"/>
-              </a:lnSpc>
-              <a:spcBef>
-                <a:spcPts val="500"/>
-              </a:spcBef>
-              <a:buFont typeface="Arial" panose="020B0604020202020204" pitchFamily="34" charset="0"/>
-              <a:buNone/>
-              <a:defRPr sz="1000" kern="1200">
-                <a:solidFill>
-                  <a:schemeClr val="tx1"/>
-                </a:solidFill>
-                <a:latin typeface="+mn-lt"/>
-                <a:ea typeface="+mn-ea"/>
-                <a:cs typeface="+mn-cs"/>
-              </a:defRPr>
-            </a:lvl7pPr>
-            <a:lvl8pPr marL="3200400" indent="0" algn="l" defTabSz="914400" rtl="0" eaLnBrk="1" latinLnBrk="0" hangingPunct="1">
-              <a:lnSpc>
-                <a:spcPct val="90000"/>
-              </a:lnSpc>
-              <a:spcBef>
-                <a:spcPts val="500"/>
-              </a:spcBef>
-              <a:buFont typeface="Arial" panose="020B0604020202020204" pitchFamily="34" charset="0"/>
-              <a:buNone/>
-              <a:defRPr sz="1000" kern="1200">
-                <a:solidFill>
-                  <a:schemeClr val="tx1"/>
-                </a:solidFill>
-                <a:latin typeface="+mn-lt"/>
-                <a:ea typeface="+mn-ea"/>
-                <a:cs typeface="+mn-cs"/>
-              </a:defRPr>
-            </a:lvl8pPr>
-            <a:lvl9pPr marL="3657600" indent="0" algn="l" defTabSz="914400" rtl="0" eaLnBrk="1" latinLnBrk="0" hangingPunct="1">
-              <a:lnSpc>
-                <a:spcPct val="90000"/>
-              </a:lnSpc>
-              <a:spcBef>
-                <a:spcPts val="500"/>
-              </a:spcBef>
-              <a:buFont typeface="Arial" panose="020B0604020202020204" pitchFamily="34" charset="0"/>
-              <a:buNone/>
-              <a:defRPr sz="1000" kern="1200">
-                <a:solidFill>
-                  <a:schemeClr val="tx1"/>
-                </a:solidFill>
-                <a:latin typeface="+mn-lt"/>
-                <a:ea typeface="+mn-ea"/>
-                <a:cs typeface="+mn-cs"/>
-              </a:defRPr>
-            </a:lvl9pPr>
-          </a:lstStyle>
-          <a:p>
-            <a:r>
-              <a:rPr lang="en-US" dirty="0" smtClean="0"/>
-              <a:t>Total Sales By State:</a:t>
-            </a:r>
-          </a:p>
-          <a:p>
-            <a:pPr marL="285750" indent="-285750">
-              <a:buFont typeface="Arial" panose="020B0604020202020204" pitchFamily="34" charset="0"/>
-              <a:buChar char="•"/>
-            </a:pPr>
-            <a:r>
-              <a:rPr lang="en-US" dirty="0"/>
-              <a:t>A </a:t>
-            </a:r>
-            <a:r>
-              <a:rPr lang="en-US" dirty="0" smtClean="0"/>
-              <a:t>heat map </a:t>
-            </a:r>
-            <a:r>
-              <a:rPr lang="en-US" dirty="0"/>
-              <a:t>of the United States indicates high sales concentration in regions colored in darker shades</a:t>
-            </a:r>
-            <a:r>
-              <a:rPr lang="en-US" dirty="0" smtClean="0"/>
-              <a:t>.</a:t>
-            </a:r>
-          </a:p>
-          <a:p>
-            <a:pPr marL="285750" indent="-285750">
-              <a:buFont typeface="Arial" panose="020B0604020202020204" pitchFamily="34" charset="0"/>
-              <a:buChar char="•"/>
-            </a:pPr>
-            <a:r>
-              <a:rPr lang="en-US" dirty="0" smtClean="0"/>
-              <a:t>New </a:t>
-            </a:r>
-            <a:r>
-              <a:rPr lang="en-US" dirty="0"/>
-              <a:t>Y</a:t>
-            </a:r>
-            <a:r>
-              <a:rPr lang="en-US" dirty="0" smtClean="0"/>
-              <a:t>ork and California taking the lead with($8.7M &amp; $8.6M) respectively.</a:t>
-            </a:r>
-            <a:endParaRPr lang="en-GB" dirty="0" smtClean="0"/>
-          </a:p>
-        </p:txBody>
-      </p:sp>
-      <p:pic>
-        <p:nvPicPr>
-          <p:cNvPr id="6" name="Picture 5"/>
-          <p:cNvPicPr>
-            <a:picLocks noChangeAspect="1"/>
-          </p:cNvPicPr>
-          <p:nvPr/>
-        </p:nvPicPr>
-        <p:blipFill>
-          <a:blip r:embed="rId3">
-            <a:extLst>
-              <a:ext uri="{28A0092B-C50C-407E-A947-70E740481C1C}">
-                <a14:useLocalDpi xmlns:a14="http://schemas.microsoft.com/office/drawing/2010/main" val="0"/>
-              </a:ext>
-            </a:extLst>
-          </a:blip>
-          <a:stretch>
-            <a:fillRect/>
-          </a:stretch>
-        </p:blipFill>
-        <p:spPr>
-          <a:xfrm>
-            <a:off x="5274543" y="4423625"/>
-            <a:ext cx="5019637" cy="2056219"/>
-          </a:xfrm>
-          <a:prstGeom prst="rect">
-            <a:avLst/>
-          </a:prstGeom>
+            <a:off x="6641147" y="2849217"/>
+            <a:ext cx="5550853" cy="2463399"/>
+          </a:xfrm>
         </p:spPr>
       </p:pic>
     </p:spTree>
@@ -8952,16 +8547,21 @@
             <p:ph type="title"/>
           </p:nvPr>
         </p:nvSpPr>
-        <p:spPr/>
+        <p:spPr>
+          <a:xfrm>
+            <a:off x="680323" y="753228"/>
+            <a:ext cx="6400800" cy="914400"/>
+          </a:xfrm>
+        </p:spPr>
         <p:txBody>
           <a:bodyPr/>
           <a:lstStyle/>
           <a:p>
             <a:r>
-              <a:rPr lang="en-US" dirty="0" smtClean="0"/>
-              <a:t>OVERVIEW</a:t>
-            </a:r>
-            <a:endParaRPr lang="en-GB" dirty="0"/>
+              <a:rPr lang="en-US" b="1" dirty="0" smtClean="0"/>
+              <a:t>INSIGHTS</a:t>
+            </a:r>
+            <a:endParaRPr lang="en-GB" b="1" dirty="0"/>
           </a:p>
         </p:txBody>
       </p:sp>
@@ -8972,7 +8572,7 @@
             <a:picLocks noGrp="1" noChangeAspect="1"/>
           </p:cNvPicPr>
           <p:nvPr>
-            <p:ph idx="1"/>
+            <p:ph type="pic" idx="1"/>
           </p:nvPr>
         </p:nvPicPr>
         <p:blipFill>
@@ -8983,14 +8583,15 @@
               </a:ext>
             </a:extLst>
           </a:blip>
+          <a:srcRect l="18085" r="18085"/>
           <a:stretch>
             <a:fillRect/>
           </a:stretch>
         </p:blipFill>
         <p:spPr>
           <a:xfrm>
-            <a:off x="4470400" y="2623738"/>
-            <a:ext cx="5823780" cy="2969667"/>
+            <a:off x="6718851" y="2181012"/>
+            <a:ext cx="4717775" cy="3599312"/>
           </a:xfrm>
         </p:spPr>
       </p:pic>
@@ -9006,8 +8607,8 @@
         </p:nvSpPr>
         <p:spPr>
           <a:xfrm>
-            <a:off x="207357" y="2308914"/>
-            <a:ext cx="4080864" cy="3599317"/>
+            <a:off x="249382" y="2025147"/>
+            <a:ext cx="6283940" cy="4455166"/>
           </a:xfrm>
         </p:spPr>
         <p:txBody>
@@ -9016,22 +8617,46 @@
           </a:bodyPr>
           <a:lstStyle/>
           <a:p>
-            <a:endParaRPr lang="en-US" b="1" dirty="0" smtClean="0"/>
-          </a:p>
-          <a:p>
-            <a:r>
-              <a:rPr lang="en-US" b="1" dirty="0" smtClean="0"/>
-              <a:t>Total </a:t>
-            </a:r>
-            <a:r>
-              <a:rPr lang="en-US" b="1" dirty="0"/>
-              <a:t>Sales by Region</a:t>
-            </a:r>
-            <a:r>
-              <a:rPr lang="en-US" b="1" dirty="0" smtClean="0"/>
-              <a:t>:</a:t>
-            </a:r>
-            <a:endParaRPr lang="en-US" dirty="0" smtClean="0"/>
+            <a:r>
+              <a:rPr lang="en-US" sz="2000" b="1" dirty="0" smtClean="0"/>
+              <a:t>Top-Performing </a:t>
+            </a:r>
+            <a:r>
+              <a:rPr lang="en-US" sz="2000" b="1" dirty="0"/>
+              <a:t>Region</a:t>
+            </a:r>
+            <a:endParaRPr lang="en-GB" sz="2000" dirty="0"/>
+          </a:p>
+          <a:p>
+            <a:pPr marL="285750" lvl="0" indent="-285750">
+              <a:buFont typeface="Arial" panose="020B0604020202020204" pitchFamily="34" charset="0"/>
+              <a:buChar char="•"/>
+            </a:pPr>
+            <a:r>
+              <a:rPr lang="en-US" sz="2000" b="1" dirty="0"/>
+              <a:t>West Region</a:t>
+            </a:r>
+            <a:r>
+              <a:rPr lang="en-US" sz="2000" dirty="0"/>
+              <a:t> is the top-performing region, contributing </a:t>
+            </a:r>
+            <a:r>
+              <a:rPr lang="en-US" sz="2000" b="1" dirty="0"/>
+              <a:t>30.32%</a:t>
+            </a:r>
+            <a:r>
+              <a:rPr lang="en-US" sz="2000" dirty="0"/>
+              <a:t> of total sales, amounting to </a:t>
+            </a:r>
+            <a:r>
+              <a:rPr lang="en-US" sz="2000" b="1" dirty="0"/>
+              <a:t>$36.64M</a:t>
+            </a:r>
+            <a:r>
+              <a:rPr lang="en-US" sz="2000" dirty="0"/>
+              <a:t>. This indicates a strong market presence in the western United States, and efforts in marketing or distribution here are yielding excellent results.</a:t>
+            </a:r>
+            <a:endParaRPr lang="en-GB" sz="2000" dirty="0"/>
           </a:p>
           <a:p>
             <a:pPr marL="285750" indent="-285750">
@@ -9039,64 +8664,18 @@
               <a:buChar char="•"/>
             </a:pPr>
             <a:r>
-              <a:rPr lang="en-US" dirty="0"/>
-              <a:t>West: $36.64M (30.32%) (highlighted as the leading region)</a:t>
-            </a:r>
-          </a:p>
-          <a:p>
-            <a:pPr marL="285750" indent="-285750">
-              <a:buFont typeface="Arial" panose="020B0604020202020204" pitchFamily="34" charset="0"/>
-              <a:buChar char="•"/>
-            </a:pPr>
-            <a:r>
-              <a:rPr lang="en-US" dirty="0"/>
-              <a:t>Northeast: $25.07M (20.87</a:t>
-            </a:r>
-            <a:r>
-              <a:rPr lang="en-US" dirty="0" smtClean="0"/>
-              <a:t>%) </a:t>
-            </a:r>
-          </a:p>
-          <a:p>
-            <a:pPr marL="285750" indent="-285750">
-              <a:buFont typeface="Arial" panose="020B0604020202020204" pitchFamily="34" charset="0"/>
-              <a:buChar char="•"/>
-            </a:pPr>
-            <a:r>
-              <a:rPr lang="en-US" dirty="0" smtClean="0"/>
-              <a:t>Southeast</a:t>
-            </a:r>
-            <a:r>
-              <a:rPr lang="en-US" dirty="0"/>
-              <a:t>: $21.37M (17.79%)</a:t>
-            </a:r>
-          </a:p>
-          <a:p>
-            <a:pPr marL="285750" indent="-285750">
-              <a:buFont typeface="Arial" panose="020B0604020202020204" pitchFamily="34" charset="0"/>
-              <a:buChar char="•"/>
-            </a:pPr>
-            <a:r>
-              <a:rPr lang="en-US" dirty="0"/>
-              <a:t>South: $20.60M (17.15%)</a:t>
-            </a:r>
-          </a:p>
-          <a:p>
-            <a:pPr marL="285750" indent="-285750">
-              <a:buFont typeface="Arial" panose="020B0604020202020204" pitchFamily="34" charset="0"/>
-              <a:buChar char="•"/>
-            </a:pPr>
-            <a:r>
-              <a:rPr lang="en-US" dirty="0" smtClean="0"/>
+              <a:rPr lang="en-US" sz="2000" dirty="0"/>
+              <a:t>These regions should remain a priority for marketing and distribution strategies, while the </a:t>
+            </a:r>
+            <a:r>
+              <a:rPr lang="en-US" sz="2000" b="1" dirty="0"/>
               <a:t>Midwest</a:t>
             </a:r>
             <a:r>
-              <a:rPr lang="en-US" dirty="0"/>
-              <a:t>: $16.67M (13.88%)</a:t>
-            </a:r>
-          </a:p>
-          <a:p>
-            <a:endParaRPr lang="en-GB" dirty="0"/>
+              <a:rPr lang="en-US" sz="2000" dirty="0"/>
+              <a:t> ($16.67M, 13.88%) could potentially offer untapped growth opportunities if further efforts are directed towards improving sales in that region</a:t>
+            </a:r>
+            <a:endParaRPr lang="en-GB" sz="2000" dirty="0"/>
           </a:p>
           <a:p>
             <a:endParaRPr lang="en-GB" dirty="0"/>
@@ -9159,10 +8738,10 @@
           <a:lstStyle/>
           <a:p>
             <a:r>
-              <a:rPr lang="en-US" dirty="0" smtClean="0"/>
-              <a:t>OVERVIEW</a:t>
-            </a:r>
-            <a:endParaRPr lang="en-GB" dirty="0"/>
+              <a:rPr lang="en-US" b="1" dirty="0" smtClean="0"/>
+              <a:t>INSIGHTS</a:t>
+            </a:r>
+            <a:endParaRPr lang="en-GB" b="1" dirty="0"/>
           </a:p>
         </p:txBody>
       </p:sp>
@@ -9178,83 +8757,85 @@
         </p:nvSpPr>
         <p:spPr>
           <a:xfrm>
-            <a:off x="412305" y="1998292"/>
-            <a:ext cx="4159695" cy="2309377"/>
+            <a:off x="412305" y="2057400"/>
+            <a:ext cx="7069150" cy="4532339"/>
           </a:xfrm>
         </p:spPr>
         <p:txBody>
           <a:bodyPr>
-            <a:normAutofit fontScale="92500" lnSpcReduction="10000"/>
+            <a:normAutofit fontScale="92500"/>
           </a:bodyPr>
           <a:lstStyle/>
           <a:p>
-            <a:pPr marL="0" indent="0">
-              <a:buNone/>
-            </a:pPr>
-            <a:r>
-              <a:rPr lang="en-US" sz="1700" b="1" dirty="0" smtClean="0"/>
-              <a:t>Total </a:t>
-            </a:r>
-            <a:r>
-              <a:rPr lang="en-US" sz="1700" b="1" dirty="0"/>
-              <a:t>Sales by Product:</a:t>
-            </a:r>
-            <a:endParaRPr lang="en-US" sz="1700" dirty="0"/>
-          </a:p>
-          <a:p>
-            <a:r>
-              <a:rPr lang="en-US" sz="1700" dirty="0"/>
-              <a:t>Men's Street Footwear: $28M</a:t>
-            </a:r>
-          </a:p>
-          <a:p>
-            <a:r>
-              <a:rPr lang="en-US" sz="1700" dirty="0"/>
-              <a:t>Women's Apparel: $</a:t>
-            </a:r>
-            <a:r>
-              <a:rPr lang="en-US" sz="1700" dirty="0" smtClean="0"/>
-              <a:t>24M</a:t>
-            </a:r>
-            <a:endParaRPr lang="en-US" sz="1700" dirty="0"/>
-          </a:p>
-          <a:p>
-            <a:r>
-              <a:rPr lang="en-US" sz="1700" dirty="0"/>
-              <a:t>Men's Athletic Footwear: $21M</a:t>
-            </a:r>
-          </a:p>
-          <a:p>
-            <a:r>
-              <a:rPr lang="en-US" sz="1700" dirty="0"/>
-              <a:t>Women's Street Footwear: $</a:t>
-            </a:r>
-            <a:r>
-              <a:rPr lang="en-US" sz="1700" dirty="0" smtClean="0"/>
-              <a:t>17M</a:t>
-            </a:r>
-          </a:p>
-          <a:p>
-            <a:r>
-              <a:rPr lang="en-US" sz="1700" dirty="0"/>
-              <a:t>Men's Apparel: $</a:t>
-            </a:r>
-            <a:r>
-              <a:rPr lang="en-US" sz="1700" dirty="0" smtClean="0"/>
-              <a:t>17M</a:t>
-            </a:r>
-            <a:endParaRPr lang="en-US" sz="1700" dirty="0"/>
-          </a:p>
-          <a:p>
-            <a:r>
-              <a:rPr lang="en-US" sz="1700" dirty="0"/>
-              <a:t>Women's Athletic Footwear: $</a:t>
-            </a:r>
-            <a:r>
-              <a:rPr lang="en-US" sz="1700" dirty="0" smtClean="0"/>
-              <a:t>14M</a:t>
-            </a:r>
-            <a:endParaRPr lang="en-US" sz="1700" dirty="0"/>
+            <a:r>
+              <a:rPr lang="en-US" sz="2200" b="1" dirty="0" smtClean="0"/>
+              <a:t>Men’s </a:t>
+            </a:r>
+            <a:r>
+              <a:rPr lang="en-US" sz="2200" b="1" dirty="0"/>
+              <a:t>Street Footwear</a:t>
+            </a:r>
+            <a:r>
+              <a:rPr lang="en-US" sz="2200" dirty="0"/>
+              <a:t> ($28M) is the best-selling product, followed by </a:t>
+            </a:r>
+            <a:r>
+              <a:rPr lang="en-US" sz="2200" b="1" dirty="0"/>
+              <a:t>Women’s Apparel ($24M)</a:t>
+            </a:r>
+            <a:r>
+              <a:rPr lang="en-US" sz="2200" dirty="0"/>
+              <a:t> and </a:t>
+            </a:r>
+            <a:r>
+              <a:rPr lang="en-US" sz="2200" b="1" dirty="0"/>
+              <a:t>Men’s Athletic Footwear</a:t>
+            </a:r>
+            <a:r>
+              <a:rPr lang="en-US" sz="2200" dirty="0"/>
+              <a:t> (21M). Footwear, in general, dominates sales, indicating its importance in Adidas' product lineup. </a:t>
+            </a:r>
+            <a:endParaRPr lang="en-GB" sz="2200" dirty="0" smtClean="0"/>
+          </a:p>
+          <a:p>
+            <a:pPr lvl="0"/>
+            <a:r>
+              <a:rPr lang="en-US" sz="2200" dirty="0" smtClean="0"/>
+              <a:t>This </a:t>
+            </a:r>
+            <a:r>
+              <a:rPr lang="en-US" sz="2200" dirty="0"/>
+              <a:t>suggests that Adidas' core market is heavily reliant on footwear products, and further innovation or marketing in this category could continue driving growth</a:t>
+            </a:r>
+            <a:r>
+              <a:rPr lang="en-US" sz="2200" dirty="0" smtClean="0"/>
+              <a:t>.</a:t>
+            </a:r>
+            <a:endParaRPr lang="en-GB" sz="2200" dirty="0"/>
+          </a:p>
+          <a:p>
+            <a:pPr lvl="0"/>
+            <a:r>
+              <a:rPr lang="en-US" sz="2200" b="1" dirty="0"/>
+              <a:t>Men’s footwear</a:t>
+            </a:r>
+            <a:r>
+              <a:rPr lang="en-US" sz="2200" dirty="0"/>
+              <a:t> (both street and athletic) significantly outsells </a:t>
+            </a:r>
+            <a:r>
+              <a:rPr lang="en-US" sz="2200" b="1" dirty="0"/>
+              <a:t>women’s footwear</a:t>
+            </a:r>
+            <a:r>
+              <a:rPr lang="en-US" sz="2200" dirty="0"/>
+              <a:t> ($28M + $21M vs. $17M + $14M). This suggests that Adidas may have a stronger customer base among men, particularly in the footwear category. Expanding women's street footwear and Athletic footwear lines could provide opportunities for growth</a:t>
+            </a:r>
+            <a:r>
+              <a:rPr lang="en-US" sz="2200" dirty="0" smtClean="0"/>
+              <a:t>.</a:t>
+            </a:r>
+            <a:endParaRPr lang="en-GB" dirty="0"/>
           </a:p>
           <a:p>
             <a:endParaRPr lang="en-GB" dirty="0"/>
@@ -9288,11 +8869,79 @@
         </p:blipFill>
         <p:spPr>
           <a:xfrm>
-            <a:off x="5360276" y="1998292"/>
-            <a:ext cx="4256689" cy="2309377"/>
+            <a:off x="7708622" y="2161309"/>
+            <a:ext cx="4256689" cy="4114800"/>
           </a:xfrm>
         </p:spPr>
       </p:pic>
+    </p:spTree>
+    <p:extLst>
+      <p:ext uri="{BB962C8B-B14F-4D97-AF65-F5344CB8AC3E}">
+        <p14:creationId xmlns:p14="http://schemas.microsoft.com/office/powerpoint/2010/main" val="1026554151"/>
+      </p:ext>
+    </p:extLst>
+  </p:cSld>
+  <p:clrMapOvr>
+    <a:masterClrMapping/>
+  </p:clrMapOvr>
+</p:sld>
+</file>
+
+<file path=ppt/slides/slide8.xml><?xml version="1.0" encoding="utf-8"?>
+<p:sld xmlns:a="http://schemas.openxmlformats.org/drawingml/2006/main" xmlns:r="http://schemas.openxmlformats.org/officeDocument/2006/relationships" xmlns:p="http://schemas.openxmlformats.org/presentationml/2006/main">
+  <p:cSld>
+    <p:bg>
+      <p:bgPr>
+        <a:solidFill>
+          <a:srgbClr val="C00000">
+            <a:alpha val="80000"/>
+          </a:srgbClr>
+        </a:solidFill>
+        <a:effectLst/>
+      </p:bgPr>
+    </p:bg>
+    <p:spTree>
+      <p:nvGrpSpPr>
+        <p:cNvPr id="1" name=""/>
+        <p:cNvGrpSpPr/>
+        <p:nvPr/>
+      </p:nvGrpSpPr>
+      <p:grpSpPr>
+        <a:xfrm>
+          <a:off x="0" y="0"/>
+          <a:ext cx="0" cy="0"/>
+          <a:chOff x="0" y="0"/>
+          <a:chExt cx="0" cy="0"/>
+        </a:xfrm>
+      </p:grpSpPr>
+      <p:sp>
+        <p:nvSpPr>
+          <p:cNvPr id="11" name="Title 10"/>
+          <p:cNvSpPr>
+            <a:spLocks noGrp="1"/>
+          </p:cNvSpPr>
+          <p:nvPr>
+            <p:ph type="title"/>
+          </p:nvPr>
+        </p:nvSpPr>
+        <p:spPr>
+          <a:xfrm>
+            <a:off x="680321" y="753228"/>
+            <a:ext cx="6400800" cy="914400"/>
+          </a:xfrm>
+        </p:spPr>
+        <p:txBody>
+          <a:bodyPr/>
+          <a:lstStyle/>
+          <a:p>
+            <a:r>
+              <a:rPr lang="en-US" b="1" dirty="0" smtClean="0"/>
+              <a:t>INSIGHTS</a:t>
+            </a:r>
+            <a:endParaRPr lang="en-GB" b="1" dirty="0"/>
+          </a:p>
+        </p:txBody>
+      </p:sp>
       <p:pic>
         <p:nvPicPr>
           <p:cNvPr id="9" name="Picture 8"/>
@@ -9302,7 +8951,7 @@
           <p:nvPr/>
         </p:nvPicPr>
         <p:blipFill>
-          <a:blip r:embed="rId3">
+          <a:blip r:embed="rId2">
             <a:extLst>
               <a:ext uri="{28A0092B-C50C-407E-A947-70E740481C1C}">
                 <a14:useLocalDpi xmlns:a14="http://schemas.microsoft.com/office/drawing/2010/main" val="0"/>
@@ -9315,8 +8964,8 @@
         </p:blipFill>
         <p:spPr>
           <a:xfrm>
-            <a:off x="5360275" y="4389039"/>
-            <a:ext cx="4256689" cy="2200701"/>
+            <a:off x="7708621" y="2327565"/>
+            <a:ext cx="4256689" cy="4262176"/>
           </a:xfrm>
           <a:prstGeom prst="rect">
             <a:avLst/>
@@ -9333,8 +8982,8 @@
         </p:nvSpPr>
         <p:spPr>
           <a:xfrm>
-            <a:off x="412306" y="4389039"/>
-            <a:ext cx="4159694" cy="2153651"/>
+            <a:off x="412305" y="2161309"/>
+            <a:ext cx="7069149" cy="4381381"/>
           </a:xfrm>
           <a:prstGeom prst="rect">
             <a:avLst/>
@@ -9342,7 +8991,7 @@
         </p:spPr>
         <p:txBody>
           <a:bodyPr vert="horz" lIns="91440" tIns="45720" rIns="91440" bIns="45720" rtlCol="0">
-            <a:normAutofit fontScale="77500" lnSpcReduction="20000"/>
+            <a:normAutofit/>
           </a:bodyPr>
           <a:lstStyle>
             <a:lvl1pPr marL="228600" indent="-228600" algn="l" defTabSz="914400" rtl="0" eaLnBrk="1" latinLnBrk="0" hangingPunct="1">
@@ -9509,62 +9158,68 @@
             </a:lvl9pPr>
           </a:lstStyle>
           <a:p>
-            <a:pPr marL="0" indent="0">
-              <a:buNone/>
-            </a:pPr>
-            <a:r>
-              <a:rPr lang="en-US" sz="2100" b="1" dirty="0" smtClean="0"/>
-              <a:t>Total </a:t>
-            </a:r>
-            <a:r>
-              <a:rPr lang="en-US" sz="2100" b="1" dirty="0"/>
-              <a:t>Sales by Retailer:</a:t>
-            </a:r>
-            <a:endParaRPr lang="en-US" sz="2100" dirty="0"/>
-          </a:p>
-          <a:p>
-            <a:r>
-              <a:rPr lang="en-US" sz="2100" dirty="0"/>
-              <a:t>West Gear: $32M</a:t>
-            </a:r>
-          </a:p>
-          <a:p>
-            <a:r>
-              <a:rPr lang="en-US" sz="2100" dirty="0"/>
-              <a:t>Foot Locker: $29M</a:t>
-            </a:r>
-          </a:p>
-          <a:p>
-            <a:r>
-              <a:rPr lang="en-US" sz="2100" dirty="0"/>
-              <a:t>Sports Direct: $25M</a:t>
-            </a:r>
-          </a:p>
-          <a:p>
-            <a:r>
-              <a:rPr lang="en-US" sz="2100" dirty="0"/>
-              <a:t>Kohl's: $14M</a:t>
-            </a:r>
-          </a:p>
-          <a:p>
-            <a:r>
-              <a:rPr lang="en-US" sz="2100" dirty="0"/>
-              <a:t>Walmart: $</a:t>
-            </a:r>
-            <a:r>
-              <a:rPr lang="en-US" sz="2100" dirty="0" smtClean="0"/>
-              <a:t>11M</a:t>
-            </a:r>
-            <a:endParaRPr lang="en-US" sz="2100" dirty="0"/>
-          </a:p>
-          <a:p>
-            <a:r>
-              <a:rPr lang="en-US" sz="2100" dirty="0"/>
-              <a:t>Amazon: $10M</a:t>
-            </a:r>
-          </a:p>
-          <a:p>
-            <a:endParaRPr lang="en-GB" dirty="0" smtClean="0"/>
+            <a:pPr lvl="0"/>
+            <a:r>
+              <a:rPr lang="en-US" sz="2200" b="1" dirty="0"/>
+              <a:t>West Gear Retailer</a:t>
+            </a:r>
+            <a:r>
+              <a:rPr lang="en-US" sz="2200" dirty="0"/>
+              <a:t> leads sales among retailers, generating (</a:t>
+            </a:r>
+            <a:r>
+              <a:rPr lang="en-US" sz="2200" b="1" dirty="0"/>
+              <a:t>$32M)</a:t>
+            </a:r>
+            <a:r>
+              <a:rPr lang="en-US" sz="2200" dirty="0"/>
+              <a:t>, followed by </a:t>
+            </a:r>
+            <a:r>
+              <a:rPr lang="en-US" sz="2200" b="1" dirty="0"/>
+              <a:t>Foot Locker</a:t>
+            </a:r>
+            <a:r>
+              <a:rPr lang="en-US" sz="2200" dirty="0"/>
+              <a:t> ($29M) and </a:t>
+            </a:r>
+            <a:r>
+              <a:rPr lang="en-US" sz="2200" b="1" dirty="0"/>
+              <a:t>Sports Direct</a:t>
+            </a:r>
+            <a:r>
+              <a:rPr lang="en-US" sz="2200" dirty="0"/>
+              <a:t> ($25M). Adidas seems to have strong partnerships with these retailers, and they are responsible for a significant share of sales.</a:t>
+            </a:r>
+            <a:endParaRPr lang="en-GB" sz="2200" dirty="0"/>
+          </a:p>
+          <a:p>
+            <a:pPr lvl="0"/>
+            <a:r>
+              <a:rPr lang="en-US" sz="2200" dirty="0"/>
+              <a:t>There is a sharp drop-off in sales for Walmart and Amazon, with </a:t>
+            </a:r>
+            <a:r>
+              <a:rPr lang="en-US" sz="2200" b="1" dirty="0"/>
+              <a:t>$11M</a:t>
+            </a:r>
+            <a:r>
+              <a:rPr lang="en-US" sz="2200" dirty="0"/>
+              <a:t> and </a:t>
+            </a:r>
+            <a:r>
+              <a:rPr lang="en-US" sz="2200" b="1" dirty="0"/>
+              <a:t>$10M</a:t>
+            </a:r>
+            <a:r>
+              <a:rPr lang="en-US" sz="2200" dirty="0"/>
+              <a:t> respectively, which suggests that traditional brick-and-mortar or sports-specific retailers are more successful sales channels compared to online or general retail platforms</a:t>
+            </a:r>
+            <a:r>
+              <a:rPr lang="en-US" sz="2200" dirty="0" smtClean="0"/>
+              <a:t>.</a:t>
+            </a:r>
+            <a:endParaRPr lang="en-GB" sz="2200" dirty="0" smtClean="0"/>
           </a:p>
           <a:p>
             <a:endParaRPr lang="en-GB" dirty="0"/>
@@ -9574,443 +9229,7 @@
     </p:spTree>
     <p:extLst>
       <p:ext uri="{BB962C8B-B14F-4D97-AF65-F5344CB8AC3E}">
-        <p14:creationId xmlns:p14="http://schemas.microsoft.com/office/powerpoint/2010/main" val="1026554151"/>
-      </p:ext>
-    </p:extLst>
-  </p:cSld>
-  <p:clrMapOvr>
-    <a:masterClrMapping/>
-  </p:clrMapOvr>
-</p:sld>
-</file>
-
-<file path=ppt/slides/slide8.xml><?xml version="1.0" encoding="utf-8"?>
-<p:sld xmlns:a="http://schemas.openxmlformats.org/drawingml/2006/main" xmlns:r="http://schemas.openxmlformats.org/officeDocument/2006/relationships" xmlns:p="http://schemas.openxmlformats.org/presentationml/2006/main">
-  <p:cSld>
-    <p:bg>
-      <p:bgPr>
-        <a:solidFill>
-          <a:srgbClr val="C00000">
-            <a:alpha val="80000"/>
-          </a:srgbClr>
-        </a:solidFill>
-        <a:effectLst/>
-      </p:bgPr>
-    </p:bg>
-    <p:spTree>
-      <p:nvGrpSpPr>
-        <p:cNvPr id="1" name=""/>
-        <p:cNvGrpSpPr/>
-        <p:nvPr/>
-      </p:nvGrpSpPr>
-      <p:grpSpPr>
-        <a:xfrm>
-          <a:off x="0" y="0"/>
-          <a:ext cx="0" cy="0"/>
-          <a:chOff x="0" y="0"/>
-          <a:chExt cx="0" cy="0"/>
-        </a:xfrm>
-      </p:grpSpPr>
-      <p:sp>
-        <p:nvSpPr>
-          <p:cNvPr id="11" name="Title 10"/>
-          <p:cNvSpPr>
-            <a:spLocks noGrp="1"/>
-          </p:cNvSpPr>
-          <p:nvPr>
-            <p:ph type="title"/>
-          </p:nvPr>
-        </p:nvSpPr>
-        <p:spPr/>
-        <p:txBody>
-          <a:bodyPr/>
-          <a:lstStyle/>
-          <a:p>
-            <a:r>
-              <a:rPr lang="en-US" dirty="0" smtClean="0"/>
-              <a:t>KEY INSIGHTS</a:t>
-            </a:r>
-            <a:endParaRPr lang="en-GB" dirty="0"/>
-          </a:p>
-        </p:txBody>
-      </p:sp>
-      <p:sp>
-        <p:nvSpPr>
-          <p:cNvPr id="13" name="Text Placeholder 12"/>
-          <p:cNvSpPr>
-            <a:spLocks noGrp="1"/>
-          </p:cNvSpPr>
-          <p:nvPr>
-            <p:ph sz="half" idx="1"/>
-          </p:nvPr>
-        </p:nvSpPr>
-        <p:spPr>
-          <a:xfrm>
-            <a:off x="128525" y="2049517"/>
-            <a:ext cx="11937351" cy="4572000"/>
-          </a:xfrm>
-        </p:spPr>
-        <p:txBody>
-          <a:bodyPr>
-            <a:normAutofit fontScale="92500" lnSpcReduction="10000"/>
-          </a:bodyPr>
-          <a:lstStyle/>
-          <a:p>
-            <a:pPr marL="0" indent="0">
-              <a:buNone/>
-            </a:pPr>
-            <a:endParaRPr lang="en-US" sz="1500" dirty="0" smtClean="0"/>
-          </a:p>
-          <a:p>
-            <a:pPr marL="342900" indent="-342900">
-              <a:buFont typeface="+mj-lt"/>
-              <a:buAutoNum type="arabicPeriod"/>
-            </a:pPr>
-            <a:r>
-              <a:rPr lang="en-US" sz="1500" b="1" dirty="0" smtClean="0"/>
-              <a:t>Top-Performing Region</a:t>
-            </a:r>
-          </a:p>
-          <a:p>
-            <a:r>
-              <a:rPr lang="en-US" sz="1500" b="1" dirty="0" smtClean="0"/>
-              <a:t>West </a:t>
-            </a:r>
-            <a:r>
-              <a:rPr lang="en-US" sz="1500" b="1" dirty="0"/>
-              <a:t>Region</a:t>
-            </a:r>
-            <a:r>
-              <a:rPr lang="en-US" sz="1500" dirty="0"/>
-              <a:t> is the top-performing region, contributing </a:t>
-            </a:r>
-            <a:r>
-              <a:rPr lang="en-US" sz="1500" b="1" dirty="0"/>
-              <a:t>30.32%</a:t>
-            </a:r>
-            <a:r>
-              <a:rPr lang="en-US" sz="1500" dirty="0"/>
-              <a:t> of total sales, amounting to </a:t>
-            </a:r>
-            <a:r>
-              <a:rPr lang="en-US" sz="1500" b="1" dirty="0"/>
-              <a:t>$36.64M</a:t>
-            </a:r>
-            <a:r>
-              <a:rPr lang="en-US" sz="1500" dirty="0"/>
-              <a:t>. This indicates a strong market presence in the western United States, and efforts in marketing or distribution here are yielding excellent results</a:t>
-            </a:r>
-            <a:r>
-              <a:rPr lang="en-US" sz="1500" dirty="0" smtClean="0"/>
-              <a:t>.</a:t>
-            </a:r>
-          </a:p>
-          <a:p>
-            <a:pPr marL="342900" indent="-342900">
-              <a:buAutoNum type="arabicPeriod" startAt="2"/>
-            </a:pPr>
-            <a:r>
-              <a:rPr lang="en-US" sz="1500" b="1" dirty="0" smtClean="0"/>
-              <a:t>Sales Seasonality</a:t>
-            </a:r>
-          </a:p>
-          <a:p>
-            <a:r>
-              <a:rPr lang="en-US" sz="1500" dirty="0" smtClean="0"/>
-              <a:t>There </a:t>
-            </a:r>
-            <a:r>
-              <a:rPr lang="en-US" sz="1500" dirty="0"/>
-              <a:t>is a </a:t>
-            </a:r>
-            <a:r>
-              <a:rPr lang="en-US" sz="1500" b="1" dirty="0"/>
-              <a:t>clear seasonal trend</a:t>
-            </a:r>
-            <a:r>
-              <a:rPr lang="en-US" sz="1500" dirty="0"/>
-              <a:t> in sales, with </a:t>
-            </a:r>
-            <a:r>
-              <a:rPr lang="en-US" sz="1500" b="1" dirty="0" smtClean="0"/>
-              <a:t>July</a:t>
-            </a:r>
-            <a:r>
-              <a:rPr lang="en-US" sz="1500" dirty="0" smtClean="0"/>
-              <a:t> </a:t>
-            </a:r>
-            <a:r>
-              <a:rPr lang="en-US" sz="1500" dirty="0"/>
-              <a:t>($</a:t>
-            </a:r>
-            <a:r>
-              <a:rPr lang="en-US" sz="1500" dirty="0" smtClean="0"/>
-              <a:t>12.4M</a:t>
-            </a:r>
-            <a:r>
-              <a:rPr lang="en-US" sz="1500" dirty="0"/>
-              <a:t>) and </a:t>
-            </a:r>
-            <a:r>
-              <a:rPr lang="en-US" sz="1500" b="1" dirty="0" smtClean="0"/>
-              <a:t>August</a:t>
-            </a:r>
-            <a:r>
-              <a:rPr lang="en-US" sz="1500" dirty="0" smtClean="0"/>
-              <a:t> </a:t>
-            </a:r>
-            <a:r>
-              <a:rPr lang="en-US" sz="1500" dirty="0"/>
-              <a:t>($</a:t>
-            </a:r>
-            <a:r>
-              <a:rPr lang="en-US" sz="1500" dirty="0" smtClean="0"/>
-              <a:t>12.3M</a:t>
-            </a:r>
-            <a:r>
-              <a:rPr lang="en-US" sz="1500" dirty="0"/>
-              <a:t>) being the top-performing months. This could be due to </a:t>
-            </a:r>
-            <a:r>
-              <a:rPr lang="en-US" sz="1500" dirty="0" smtClean="0"/>
-              <a:t>potential </a:t>
-            </a:r>
-            <a:r>
-              <a:rPr lang="en-US" sz="1500" dirty="0"/>
-              <a:t>promotions or new product releases in </a:t>
-            </a:r>
-            <a:r>
-              <a:rPr lang="en-US" sz="1500" dirty="0" smtClean="0"/>
-              <a:t>July and August. During the </a:t>
-            </a:r>
-            <a:r>
-              <a:rPr lang="en-US" sz="1500" dirty="0"/>
-              <a:t>December </a:t>
-            </a:r>
-            <a:r>
-              <a:rPr lang="en-US" sz="1500" dirty="0" smtClean="0"/>
-              <a:t>holiday sales do up to ($11.4M). On </a:t>
-            </a:r>
-            <a:r>
-              <a:rPr lang="en-US" sz="1500" dirty="0"/>
-              <a:t>the contrary, the beginning of the year (January-March) shows lower sales, implying possible slow seasons</a:t>
-            </a:r>
-            <a:r>
-              <a:rPr lang="en-US" sz="1500" dirty="0" smtClean="0"/>
-              <a:t>.</a:t>
-            </a:r>
-          </a:p>
-          <a:p>
-            <a:pPr marL="0" indent="0">
-              <a:buNone/>
-            </a:pPr>
-            <a:r>
-              <a:rPr lang="en-US" sz="1400" b="1" dirty="0" smtClean="0"/>
-              <a:t>3</a:t>
-            </a:r>
-            <a:r>
-              <a:rPr lang="en-US" sz="1400" b="1" dirty="0"/>
-              <a:t>. </a:t>
-            </a:r>
-            <a:r>
-              <a:rPr lang="en-US" sz="1500" b="1" dirty="0"/>
-              <a:t>High Sales Concentration in Specific Product </a:t>
-            </a:r>
-            <a:r>
-              <a:rPr lang="en-US" sz="1500" b="1" dirty="0" smtClean="0"/>
-              <a:t>Categories</a:t>
-            </a:r>
-            <a:endParaRPr lang="en-US" sz="1500" b="1" dirty="0"/>
-          </a:p>
-          <a:p>
-            <a:r>
-              <a:rPr lang="en-US" sz="1500" b="1" dirty="0"/>
-              <a:t>Men’s Street Footwear</a:t>
-            </a:r>
-            <a:r>
-              <a:rPr lang="en-US" sz="1500" dirty="0"/>
-              <a:t> ($28M) is the best-selling product, followed by </a:t>
-            </a:r>
-            <a:r>
-              <a:rPr lang="en-US" sz="1500" b="1" dirty="0"/>
-              <a:t>Women’s </a:t>
-            </a:r>
-            <a:r>
-              <a:rPr lang="en-US" sz="1500" b="1" dirty="0" smtClean="0"/>
-              <a:t>Apparel ($24M)</a:t>
-            </a:r>
-            <a:r>
-              <a:rPr lang="en-US" sz="1500" dirty="0" smtClean="0"/>
-              <a:t> </a:t>
-            </a:r>
-            <a:r>
-              <a:rPr lang="en-US" sz="1500" dirty="0"/>
-              <a:t>and </a:t>
-            </a:r>
-            <a:r>
-              <a:rPr lang="en-US" sz="1500" b="1" dirty="0"/>
-              <a:t>Men’s Athletic Footwear</a:t>
-            </a:r>
-            <a:r>
-              <a:rPr lang="en-US" sz="1500" dirty="0"/>
-              <a:t> </a:t>
-            </a:r>
-            <a:r>
-              <a:rPr lang="en-US" sz="1500" dirty="0" smtClean="0"/>
-              <a:t>(21M</a:t>
-            </a:r>
-            <a:r>
-              <a:rPr lang="en-US" sz="1500" dirty="0"/>
-              <a:t>). Footwear, in general, dominates sales, indicating its importance in Adidas' product </a:t>
-            </a:r>
-            <a:r>
-              <a:rPr lang="en-US" sz="1500" dirty="0" smtClean="0"/>
-              <a:t>lineup. </a:t>
-            </a:r>
-          </a:p>
-          <a:p>
-            <a:r>
-              <a:rPr lang="en-US" sz="1500" dirty="0" smtClean="0"/>
-              <a:t>This </a:t>
-            </a:r>
-            <a:r>
-              <a:rPr lang="en-US" sz="1500" dirty="0"/>
-              <a:t>suggests that Adidas' core market is heavily reliant on footwear products, and further innovation or marketing in this category could continue driving growth</a:t>
-            </a:r>
-            <a:r>
-              <a:rPr lang="en-US" sz="1500" dirty="0" smtClean="0"/>
-              <a:t>.</a:t>
-            </a:r>
-          </a:p>
-          <a:p>
-            <a:pPr marL="0" indent="0">
-              <a:buNone/>
-            </a:pPr>
-            <a:r>
-              <a:rPr lang="en-US" sz="1400" dirty="0" smtClean="0"/>
-              <a:t>4. </a:t>
-            </a:r>
-            <a:r>
-              <a:rPr lang="en-US" sz="1400" b="1" dirty="0" smtClean="0"/>
-              <a:t> </a:t>
-            </a:r>
-            <a:r>
-              <a:rPr lang="en-US" sz="1500" b="1" dirty="0"/>
-              <a:t>Retailer </a:t>
-            </a:r>
-            <a:r>
-              <a:rPr lang="en-US" sz="1500" b="1" dirty="0" smtClean="0"/>
-              <a:t>Performance</a:t>
-            </a:r>
-            <a:endParaRPr lang="en-US" sz="1500" b="1" dirty="0"/>
-          </a:p>
-          <a:p>
-            <a:r>
-              <a:rPr lang="en-US" sz="1500" b="1" dirty="0"/>
-              <a:t>West </a:t>
-            </a:r>
-            <a:r>
-              <a:rPr lang="en-US" sz="1500" b="1" dirty="0" smtClean="0"/>
-              <a:t>Gear Retailer</a:t>
-            </a:r>
-            <a:r>
-              <a:rPr lang="en-US" sz="1500" dirty="0" smtClean="0"/>
-              <a:t> </a:t>
-            </a:r>
-            <a:r>
-              <a:rPr lang="en-US" sz="1500" dirty="0"/>
-              <a:t>leads sales among retailers, generating </a:t>
-            </a:r>
-            <a:r>
-              <a:rPr lang="en-US" sz="1500" dirty="0" smtClean="0"/>
-              <a:t>(</a:t>
-            </a:r>
-            <a:r>
-              <a:rPr lang="en-US" sz="1500" b="1" dirty="0" smtClean="0"/>
-              <a:t>$32M)</a:t>
-            </a:r>
-            <a:r>
-              <a:rPr lang="en-US" sz="1500" dirty="0" smtClean="0"/>
-              <a:t>, </a:t>
-            </a:r>
-            <a:r>
-              <a:rPr lang="en-US" sz="1500" dirty="0"/>
-              <a:t>followed by </a:t>
-            </a:r>
-            <a:r>
-              <a:rPr lang="en-US" sz="1500" b="1" dirty="0"/>
-              <a:t>Foot Locker</a:t>
-            </a:r>
-            <a:r>
-              <a:rPr lang="en-US" sz="1500" dirty="0"/>
-              <a:t> ($29M) and </a:t>
-            </a:r>
-            <a:r>
-              <a:rPr lang="en-US" sz="1500" b="1" dirty="0"/>
-              <a:t>Sports Direct</a:t>
-            </a:r>
-            <a:r>
-              <a:rPr lang="en-US" sz="1500" dirty="0"/>
-              <a:t> ($25M). Adidas seems to have strong partnerships with these retailers, and they are responsible for a significant share of sales.</a:t>
-            </a:r>
-          </a:p>
-          <a:p>
-            <a:r>
-              <a:rPr lang="en-US" sz="1500" dirty="0"/>
-              <a:t>There is a sharp drop-off in sales for Walmart and Amazon, with </a:t>
-            </a:r>
-            <a:r>
-              <a:rPr lang="en-US" sz="1500" b="1" dirty="0"/>
-              <a:t>$</a:t>
-            </a:r>
-            <a:r>
-              <a:rPr lang="en-US" sz="1500" b="1" dirty="0" smtClean="0"/>
-              <a:t>11M</a:t>
-            </a:r>
-            <a:r>
-              <a:rPr lang="en-US" sz="1500" dirty="0" smtClean="0"/>
-              <a:t> </a:t>
-            </a:r>
-            <a:r>
-              <a:rPr lang="en-US" sz="1500" dirty="0"/>
-              <a:t>and </a:t>
-            </a:r>
-            <a:r>
-              <a:rPr lang="en-US" sz="1500" b="1" dirty="0"/>
-              <a:t>$10M</a:t>
-            </a:r>
-            <a:r>
-              <a:rPr lang="en-US" sz="1500" dirty="0"/>
-              <a:t> respectively, which suggests that traditional brick-and-mortar or sports-specific retailers are more successful sales channels compared to online or general retail platforms.</a:t>
-            </a:r>
-          </a:p>
-          <a:p>
-            <a:pPr marL="0" indent="0">
-              <a:buNone/>
-            </a:pPr>
-            <a:endParaRPr lang="en-US" sz="1400" dirty="0"/>
-          </a:p>
-          <a:p>
-            <a:endParaRPr lang="en-US" sz="1500" dirty="0"/>
-          </a:p>
-          <a:p>
-            <a:pPr marL="0" indent="0">
-              <a:buNone/>
-            </a:pPr>
-            <a:endParaRPr lang="en-US" dirty="0"/>
-          </a:p>
-          <a:p>
-            <a:endParaRPr lang="en-GB" dirty="0"/>
-          </a:p>
-          <a:p>
-            <a:endParaRPr lang="en-GB" dirty="0"/>
-          </a:p>
-        </p:txBody>
-      </p:sp>
-    </p:spTree>
-    <p:extLst>
-      <p:ext uri="{BB962C8B-B14F-4D97-AF65-F5344CB8AC3E}">
-        <p14:creationId xmlns:p14="http://schemas.microsoft.com/office/powerpoint/2010/main" val="2703432199"/>
+        <p14:creationId xmlns:p14="http://schemas.microsoft.com/office/powerpoint/2010/main" val="2989490390"/>
       </p:ext>
     </p:extLst>
   </p:cSld>
@@ -10064,7 +9283,7 @@
           <a:p>
             <a:r>
               <a:rPr lang="en-US" dirty="0" smtClean="0"/>
-              <a:t>KEY INSIGHTS</a:t>
+              <a:t>RECOMMENDATIONS</a:t>
             </a:r>
             <a:endParaRPr lang="en-GB" dirty="0"/>
           </a:p>
@@ -10082,177 +9301,155 @@
         </p:nvSpPr>
         <p:spPr>
           <a:xfrm>
-            <a:off x="144291" y="1998292"/>
-            <a:ext cx="11853268" cy="4733584"/>
+            <a:off x="286181" y="2098964"/>
+            <a:ext cx="11632550" cy="3813105"/>
           </a:xfrm>
         </p:spPr>
         <p:txBody>
           <a:bodyPr>
-            <a:normAutofit/>
+            <a:normAutofit fontScale="92500" lnSpcReduction="10000"/>
           </a:bodyPr>
           <a:lstStyle/>
           <a:p>
             <a:pPr marL="0" indent="0">
               <a:buNone/>
             </a:pPr>
-            <a:endParaRPr lang="en-US" sz="1500" dirty="0" smtClean="0"/>
-          </a:p>
-          <a:p>
-            <a:pPr marL="0" indent="0">
-              <a:buNone/>
+            <a:endParaRPr lang="en-US" sz="1600" b="1" dirty="0"/>
+          </a:p>
+          <a:p>
+            <a:pPr marL="342900" indent="-342900">
+              <a:buFont typeface="+mj-lt"/>
+              <a:buAutoNum type="arabicPeriod"/>
             </a:pPr>
             <a:r>
-              <a:rPr lang="en-US" sz="1600" b="1" dirty="0"/>
-              <a:t>5</a:t>
-            </a:r>
-            <a:r>
-              <a:rPr lang="en-US" sz="1400" b="1" dirty="0"/>
-              <a:t>. </a:t>
-            </a:r>
-            <a:r>
-              <a:rPr lang="en-US" sz="1400" b="1" dirty="0" smtClean="0"/>
-              <a:t>Profitability</a:t>
-            </a:r>
-            <a:endParaRPr lang="en-US" sz="1400" b="1" dirty="0"/>
-          </a:p>
-          <a:p>
-            <a:r>
-              <a:rPr lang="en-US" sz="1400" dirty="0"/>
-              <a:t>The </a:t>
-            </a:r>
-            <a:r>
-              <a:rPr lang="en-US" sz="1400" b="1" dirty="0"/>
-              <a:t>Average Profit Margin</a:t>
-            </a:r>
-            <a:r>
-              <a:rPr lang="en-US" sz="1400" dirty="0"/>
-              <a:t> is </a:t>
-            </a:r>
-            <a:r>
-              <a:rPr lang="en-US" sz="1400" b="1" dirty="0"/>
-              <a:t>42.30%</a:t>
-            </a:r>
-            <a:r>
-              <a:rPr lang="en-US" sz="1400" dirty="0"/>
-              <a:t>, which is relatively high for the retail sector. This indicates that Adidas is maintaining healthy profit margins across its product lines, which could be attributed to premium pricing or efficient cost control.</a:t>
-            </a:r>
-          </a:p>
-          <a:p>
-            <a:r>
-              <a:rPr lang="en-US" sz="1400" dirty="0"/>
-              <a:t>However, analyzing margin trends across different product lines or regions could reveal further opportunities for optimization.</a:t>
-            </a:r>
-          </a:p>
-          <a:p>
-            <a:pPr marL="0" indent="0">
-              <a:buNone/>
+              <a:rPr lang="en-US" sz="2000" b="1" dirty="0"/>
+              <a:t>Expand in the West and Northeast Regions:</a:t>
+            </a:r>
+            <a:r>
+              <a:rPr lang="en-US" sz="2000" dirty="0"/>
+              <a:t> Given the high sales in these regions, increasing advertising and product availability here could sustain </a:t>
+            </a:r>
+            <a:r>
+              <a:rPr lang="en-US" sz="2000" dirty="0" smtClean="0"/>
+              <a:t>the growth.</a:t>
+            </a:r>
+          </a:p>
+          <a:p>
+            <a:pPr marL="342900" indent="-342900">
+              <a:buFont typeface="+mj-lt"/>
+              <a:buAutoNum type="arabicPeriod"/>
             </a:pPr>
             <a:r>
-              <a:rPr lang="en-US" sz="1400" b="1" dirty="0"/>
-              <a:t>6. Geographic Sales </a:t>
-            </a:r>
-            <a:r>
-              <a:rPr lang="en-US" sz="1400" b="1" dirty="0" smtClean="0"/>
-              <a:t>Distribution</a:t>
-            </a:r>
-            <a:endParaRPr lang="en-US" sz="1400" b="1" dirty="0"/>
-          </a:p>
-          <a:p>
-            <a:r>
-              <a:rPr lang="en-US" sz="1400" b="1" dirty="0"/>
-              <a:t>West</a:t>
-            </a:r>
-            <a:r>
-              <a:rPr lang="en-US" sz="1400" dirty="0"/>
-              <a:t> and </a:t>
-            </a:r>
-            <a:r>
-              <a:rPr lang="en-US" sz="1400" b="1" dirty="0"/>
-              <a:t>Northeast</a:t>
-            </a:r>
-            <a:r>
-              <a:rPr lang="en-US" sz="1400" dirty="0"/>
-              <a:t> regions combined account for over 50% of total sales (West: 30.32%, Northeast: 20.87%). These regions should remain a priority for marketing and distribution strategies, while </a:t>
-            </a:r>
-            <a:r>
-              <a:rPr lang="en-US" sz="1400" dirty="0" smtClean="0"/>
-              <a:t>the </a:t>
-            </a:r>
-            <a:r>
-              <a:rPr lang="en-US" sz="1400" b="1" dirty="0" smtClean="0"/>
-              <a:t>Midwest</a:t>
-            </a:r>
-            <a:r>
-              <a:rPr lang="en-US" sz="1400" dirty="0" smtClean="0"/>
+              <a:rPr lang="en-US" sz="2000" b="1" dirty="0" smtClean="0"/>
+              <a:t>Capitalize </a:t>
+            </a:r>
+            <a:r>
+              <a:rPr lang="en-US" sz="2000" b="1" dirty="0"/>
+              <a:t>on Seasonality:</a:t>
+            </a:r>
+            <a:r>
+              <a:rPr lang="en-US" sz="2000" dirty="0"/>
+              <a:t> To maximize on seasonal trends, Adidas could launch targeted promotions or new product lines around </a:t>
+            </a:r>
+            <a:r>
+              <a:rPr lang="en-US" sz="2000" b="1" dirty="0" smtClean="0"/>
+              <a:t>July </a:t>
+            </a:r>
+            <a:r>
+              <a:rPr lang="en-US" sz="2000" dirty="0" smtClean="0"/>
+              <a:t>and </a:t>
+            </a:r>
+            <a:r>
+              <a:rPr lang="en-US" sz="2000" b="1" dirty="0" smtClean="0"/>
+              <a:t>August as well as the holiday season in December. While also </a:t>
+            </a:r>
+            <a:r>
+              <a:rPr lang="en-US" sz="2000" dirty="0" smtClean="0"/>
+              <a:t>devising </a:t>
+            </a:r>
+            <a:r>
+              <a:rPr lang="en-US" sz="2000" dirty="0"/>
+              <a:t>strategies to mitigate the slow periods (e.g., January–March</a:t>
+            </a:r>
+            <a:r>
+              <a:rPr lang="en-US" sz="2000" dirty="0" smtClean="0"/>
+              <a:t>).</a:t>
+            </a:r>
+          </a:p>
+          <a:p>
+            <a:pPr marL="342900" indent="-342900">
+              <a:buFont typeface="+mj-lt"/>
+              <a:buAutoNum type="arabicPeriod"/>
+            </a:pPr>
+            <a:r>
+              <a:rPr lang="en-US" sz="2000" b="1" dirty="0" smtClean="0"/>
+              <a:t>Focus </a:t>
+            </a:r>
+            <a:r>
+              <a:rPr lang="en-US" sz="2000" b="1" dirty="0"/>
+              <a:t>on Brick-and-Mortar Retailers:</a:t>
+            </a:r>
+            <a:r>
+              <a:rPr lang="en-US" sz="2000" dirty="0"/>
               <a:t> </a:t>
             </a:r>
             <a:r>
-              <a:rPr lang="en-US" sz="1400" dirty="0"/>
-              <a:t>($16.67M, 13.88%) could potentially offer untapped growth opportunities if further efforts are directed towards improving sales in that region.</a:t>
-            </a:r>
-          </a:p>
-          <a:p>
-            <a:pPr marL="0" indent="0">
-              <a:buNone/>
+              <a:rPr lang="en-US" sz="2000" b="1" dirty="0"/>
+              <a:t>West Gear</a:t>
+            </a:r>
+            <a:r>
+              <a:rPr lang="en-US" sz="2000" dirty="0"/>
+              <a:t>, </a:t>
+            </a:r>
+            <a:r>
+              <a:rPr lang="en-US" sz="2000" b="1" dirty="0"/>
+              <a:t>Foot Locker</a:t>
+            </a:r>
+            <a:r>
+              <a:rPr lang="en-US" sz="2000" dirty="0"/>
+              <a:t>, and </a:t>
+            </a:r>
+            <a:r>
+              <a:rPr lang="en-US" sz="2000" b="1" dirty="0"/>
+              <a:t>Sports Direct</a:t>
+            </a:r>
+            <a:r>
+              <a:rPr lang="en-US" sz="2000" dirty="0"/>
+              <a:t> are strong sales channels. Strengthening partnerships with these retailers, possibly through exclusive product lines or collaborations, could further boost sales. However, Adidas might also explore ways to improve its online presence, especially with </a:t>
+            </a:r>
+            <a:r>
+              <a:rPr lang="en-US" sz="2000" b="1" dirty="0" smtClean="0"/>
+              <a:t>Amazon</a:t>
+            </a:r>
+            <a:r>
+              <a:rPr lang="en-US" sz="2000" dirty="0" smtClean="0"/>
+              <a:t>.</a:t>
+            </a:r>
+          </a:p>
+          <a:p>
+            <a:pPr marL="342900" indent="-342900">
+              <a:buFont typeface="+mj-lt"/>
+              <a:buAutoNum type="arabicPeriod"/>
             </a:pPr>
             <a:r>
-              <a:rPr lang="en-US" sz="1400" b="1" dirty="0"/>
-              <a:t>7. Sales by Product Type Reflects Strong Gendered </a:t>
-            </a:r>
-            <a:r>
-              <a:rPr lang="en-US" sz="1400" b="1" dirty="0" smtClean="0"/>
-              <a:t>Demand</a:t>
-            </a:r>
-            <a:endParaRPr lang="en-US" sz="1400" b="1" dirty="0"/>
-          </a:p>
-          <a:p>
-            <a:r>
-              <a:rPr lang="en-US" sz="1400" b="1" dirty="0"/>
-              <a:t>Men’s footwear</a:t>
-            </a:r>
-            <a:r>
-              <a:rPr lang="en-US" sz="1400" dirty="0"/>
-              <a:t> (both street and athletic) significantly outsells </a:t>
-            </a:r>
-            <a:r>
-              <a:rPr lang="en-US" sz="1400" b="1" dirty="0"/>
-              <a:t>women’s footwear</a:t>
-            </a:r>
-            <a:r>
-              <a:rPr lang="en-US" sz="1400" dirty="0"/>
-              <a:t> ($28M + $21M vs. </a:t>
-            </a:r>
-            <a:r>
-              <a:rPr lang="en-US" sz="1400" dirty="0" smtClean="0"/>
-              <a:t>$17M </a:t>
-            </a:r>
-            <a:r>
-              <a:rPr lang="en-US" sz="1400" dirty="0"/>
-              <a:t>+ $</a:t>
-            </a:r>
-            <a:r>
-              <a:rPr lang="en-US" sz="1400" dirty="0" smtClean="0"/>
-              <a:t>14M</a:t>
-            </a:r>
-            <a:r>
-              <a:rPr lang="en-US" sz="1400" dirty="0"/>
-              <a:t>). This suggests that Adidas may have a stronger customer base among men, particularly in the footwear category. Expanding women's </a:t>
-            </a:r>
-            <a:r>
-              <a:rPr lang="en-US" sz="1400" dirty="0" smtClean="0"/>
-              <a:t>street </a:t>
-            </a:r>
-            <a:r>
-              <a:rPr lang="en-US" sz="1400" dirty="0"/>
-              <a:t>footwear and </a:t>
-            </a:r>
-            <a:r>
-              <a:rPr lang="en-US" sz="1400" dirty="0" smtClean="0"/>
-              <a:t>Athletic  </a:t>
-            </a:r>
-            <a:r>
-              <a:rPr lang="en-US" sz="1400" dirty="0"/>
-              <a:t>footwear lines could provide opportunities for growth.</a:t>
+              <a:rPr lang="en-US" sz="2000" b="1" dirty="0" smtClean="0"/>
+              <a:t>Product </a:t>
+            </a:r>
+            <a:r>
+              <a:rPr lang="en-US" sz="2000" b="1" dirty="0"/>
+              <a:t>Focus:</a:t>
+            </a:r>
+            <a:r>
+              <a:rPr lang="en-US" sz="2000" dirty="0"/>
+              <a:t> While footwear dominates, women's categories, especially in footwear, have room for growth. Marketing campaigns targeting women and expanding the product variety for </a:t>
+            </a:r>
+            <a:r>
+              <a:rPr lang="en-US" sz="2000" b="1" dirty="0"/>
+              <a:t>Women's Footwear</a:t>
+            </a:r>
+            <a:r>
+              <a:rPr lang="en-US" sz="2000" dirty="0"/>
+              <a:t> could close the gap.</a:t>
             </a:r>
           </a:p>
           <a:p>
@@ -10281,7 +9478,7 @@
     </p:spTree>
     <p:extLst>
       <p:ext uri="{BB962C8B-B14F-4D97-AF65-F5344CB8AC3E}">
-        <p14:creationId xmlns:p14="http://schemas.microsoft.com/office/powerpoint/2010/main" val="2364486292"/>
+        <p14:creationId xmlns:p14="http://schemas.microsoft.com/office/powerpoint/2010/main" val="2565212340"/>
       </p:ext>
     </p:extLst>
   </p:cSld>
